--- a/07_distributed_training/DistributedTraining.pptx
+++ b/07_distributed_training/DistributedTraining.pptx
@@ -5,10 +5,10 @@
     <p:sldMasterId id="2147483648" r:id="rId1"/>
   </p:sldMasterIdLst>
   <p:notesMasterIdLst>
-    <p:notesMasterId r:id="rId12"/>
+    <p:notesMasterId r:id="rId15"/>
   </p:notesMasterIdLst>
   <p:handoutMasterIdLst>
-    <p:handoutMasterId r:id="rId13"/>
+    <p:handoutMasterId r:id="rId16"/>
   </p:handoutMasterIdLst>
   <p:sldIdLst>
     <p:sldId id="256" r:id="rId2"/>
@@ -18,9 +18,12 @@
     <p:sldId id="264" r:id="rId6"/>
     <p:sldId id="260" r:id="rId7"/>
     <p:sldId id="265" r:id="rId8"/>
-    <p:sldId id="262" r:id="rId9"/>
-    <p:sldId id="261" r:id="rId10"/>
-    <p:sldId id="263" r:id="rId11"/>
+    <p:sldId id="266" r:id="rId9"/>
+    <p:sldId id="267" r:id="rId10"/>
+    <p:sldId id="268" r:id="rId11"/>
+    <p:sldId id="263" r:id="rId12"/>
+    <p:sldId id="262" r:id="rId13"/>
+    <p:sldId id="261" r:id="rId14"/>
   </p:sldIdLst>
   <p:sldSz cx="12192000" cy="6858000"/>
   <p:notesSz cx="6858000" cy="9144000"/>
@@ -2712,7 +2715,7 @@
           <a:p>
             <a:fld id="{D75CAE95-D2DD-4998-876A-092BFD628C65}" type="datetimeFigureOut">
               <a:rPr lang="da-DK" smtClean="0"/>
-              <a:t>04-05-2021</a:t>
+              <a:t>21-05-2021</a:t>
             </a:fld>
             <a:endParaRPr lang="da-DK"/>
           </a:p>
@@ -2890,7 +2893,7 @@
           <a:p>
             <a:fld id="{1DA8E099-58AA-4136-B409-1CAD1943D842}" type="datetimeFigureOut">
               <a:rPr lang="da-DK" smtClean="0"/>
-              <a:t>04-05-2021</a:t>
+              <a:t>21-05-2021</a:t>
             </a:fld>
             <a:endParaRPr lang="da-DK"/>
           </a:p>
@@ -3308,7 +3311,7 @@
           <a:p>
             <a:fld id="{C85334AD-9960-4065-BF34-86ED0345A76D}" type="datetime1">
               <a:rPr lang="en-US" smtClean="0"/>
-              <a:t>5/4/2021</a:t>
+              <a:t>5/21/2021</a:t>
             </a:fld>
             <a:endParaRPr lang="da-DK"/>
           </a:p>
@@ -3547,7 +3550,7 @@
           <a:p>
             <a:fld id="{C5669758-3775-48D7-A841-693E908C3BF4}" type="datetime1">
               <a:rPr lang="en-US" smtClean="0"/>
-              <a:t>5/4/2021</a:t>
+              <a:t>5/21/2021</a:t>
             </a:fld>
             <a:endParaRPr lang="da-DK"/>
           </a:p>
@@ -3760,7 +3763,7 @@
           <a:p>
             <a:fld id="{1E0C3FF1-EDBD-4F2A-8366-34A4E3728310}" type="datetime1">
               <a:rPr lang="en-US" smtClean="0"/>
-              <a:t>5/4/2021</a:t>
+              <a:t>5/21/2021</a:t>
             </a:fld>
             <a:endParaRPr lang="da-DK"/>
           </a:p>
@@ -3981,7 +3984,7 @@
           <a:p>
             <a:fld id="{019E29B9-5584-4737-9C98-1B926378C778}" type="datetime1">
               <a:rPr lang="en-US" smtClean="0"/>
-              <a:t>5/4/2021</a:t>
+              <a:t>5/21/2021</a:t>
             </a:fld>
             <a:endParaRPr lang="da-DK"/>
           </a:p>
@@ -4296,7 +4299,7 @@
           <a:p>
             <a:fld id="{FCE38F03-F67D-4508-A858-99FCD085087C}" type="datetime1">
               <a:rPr lang="en-US" smtClean="0"/>
-              <a:t>5/4/2021</a:t>
+              <a:t>5/21/2021</a:t>
             </a:fld>
             <a:endParaRPr lang="da-DK"/>
           </a:p>
@@ -4567,7 +4570,7 @@
           <a:p>
             <a:fld id="{B43F2930-3FFD-4F93-A4BD-4F0D1A0B4514}" type="datetime1">
               <a:rPr lang="en-US" smtClean="0"/>
-              <a:t>5/4/2021</a:t>
+              <a:t>5/21/2021</a:t>
             </a:fld>
             <a:endParaRPr lang="da-DK"/>
           </a:p>
@@ -4985,7 +4988,7 @@
           <a:p>
             <a:fld id="{8E0F9B9B-30CC-4693-8E0F-1A94A979E2C5}" type="datetime1">
               <a:rPr lang="en-US" smtClean="0"/>
-              <a:t>5/4/2021</a:t>
+              <a:t>5/21/2021</a:t>
             </a:fld>
             <a:endParaRPr lang="da-DK"/>
           </a:p>
@@ -5130,7 +5133,7 @@
           <a:p>
             <a:fld id="{6FE1433B-E6A7-44FF-8B55-539471B4D7C5}" type="datetime1">
               <a:rPr lang="en-US" smtClean="0"/>
-              <a:t>5/4/2021</a:t>
+              <a:t>5/21/2021</a:t>
             </a:fld>
             <a:endParaRPr lang="da-DK"/>
           </a:p>
@@ -5246,7 +5249,7 @@
           <a:p>
             <a:fld id="{624F4001-6A8C-42DA-824F-B5CC1375B861}" type="datetime1">
               <a:rPr lang="en-US" smtClean="0"/>
-              <a:t>5/4/2021</a:t>
+              <a:t>5/21/2021</a:t>
             </a:fld>
             <a:endParaRPr lang="da-DK"/>
           </a:p>
@@ -5562,7 +5565,7 @@
           <a:p>
             <a:fld id="{2D3BE137-2C5E-4078-8BA2-7D42D7E67218}" type="datetime1">
               <a:rPr lang="en-US" smtClean="0"/>
-              <a:t>5/4/2021</a:t>
+              <a:t>5/21/2021</a:t>
             </a:fld>
             <a:endParaRPr lang="da-DK"/>
           </a:p>
@@ -5854,7 +5857,7 @@
           <a:p>
             <a:fld id="{0D1436FF-56D3-4E93-92E8-71121EAB120E}" type="datetime1">
               <a:rPr lang="en-US" smtClean="0"/>
-              <a:t>5/4/2021</a:t>
+              <a:t>5/21/2021</a:t>
             </a:fld>
             <a:endParaRPr lang="da-DK"/>
           </a:p>
@@ -6100,7 +6103,7 @@
           <a:p>
             <a:fld id="{16601EF2-4BCA-4009-ACCF-B97F259DEF6F}" type="datetime1">
               <a:rPr lang="en-US" smtClean="0"/>
-              <a:t>5/4/2021</a:t>
+              <a:t>5/21/2021</a:t>
             </a:fld>
             <a:endParaRPr lang="da-DK"/>
           </a:p>
@@ -6645,7 +6648,7 @@
           <p:cNvPr id="2" name="Title 1">
             <a:extLst>
               <a:ext uri="{FF2B5EF4-FFF2-40B4-BE49-F238E27FC236}">
-                <a16:creationId xmlns:a16="http://schemas.microsoft.com/office/drawing/2014/main" id="{C7F2184C-4B69-4241-BB63-BDCE137AED2E}"/>
+                <a16:creationId xmlns:a16="http://schemas.microsoft.com/office/drawing/2014/main" id="{EFC4BA3C-BB50-491A-8B74-CAA11269A919}"/>
               </a:ext>
             </a:extLst>
           </p:cNvPr>
@@ -6663,7 +6666,7 @@
           <a:p>
             <a:r>
               <a:rPr lang="da-DK" dirty="0"/>
-              <a:t>Seperating engineering and research code</a:t>
+              <a:t>How to do this in practise</a:t>
             </a:r>
           </a:p>
         </p:txBody>
@@ -6673,7 +6676,7 @@
           <p:cNvPr id="3" name="Content Placeholder 2">
             <a:extLst>
               <a:ext uri="{FF2B5EF4-FFF2-40B4-BE49-F238E27FC236}">
-                <a16:creationId xmlns:a16="http://schemas.microsoft.com/office/drawing/2014/main" id="{1FAB9D8F-9B57-4DF7-8846-1A39780BA61E}"/>
+                <a16:creationId xmlns:a16="http://schemas.microsoft.com/office/drawing/2014/main" id="{E643C523-DE1C-4594-8688-4E1CAA5B543B}"/>
               </a:ext>
             </a:extLst>
           </p:cNvPr>
@@ -6686,10 +6689,135 @@
         </p:nvSpPr>
         <p:spPr/>
         <p:txBody>
-          <a:bodyPr/>
-          <a:lstStyle/>
-          <a:p>
-            <a:endParaRPr lang="da-DK"/>
+          <a:bodyPr>
+            <a:normAutofit lnSpcReduction="10000"/>
+          </a:bodyPr>
+          <a:lstStyle/>
+          <a:p>
+            <a:r>
+              <a:rPr lang="da-DK" dirty="0"/>
+              <a:t>DataParallel</a:t>
+            </a:r>
+          </a:p>
+          <a:p>
+            <a:pPr lvl="1"/>
+            <a:r>
+              <a:rPr lang="it-IT" dirty="0">
+                <a:latin typeface="+mj-lt"/>
+              </a:rPr>
+              <a:t>parallel_model = torch.nn.DataParallel(model)</a:t>
+            </a:r>
+          </a:p>
+          <a:p>
+            <a:endParaRPr lang="it-IT" dirty="0">
+              <a:latin typeface="+mj-lt"/>
+            </a:endParaRPr>
+          </a:p>
+          <a:p>
+            <a:r>
+              <a:rPr lang="it-IT" dirty="0"/>
+              <a:t>Distributed Data Parallel</a:t>
+            </a:r>
+          </a:p>
+          <a:p>
+            <a:pPr lvl="1"/>
+            <a:r>
+              <a:rPr lang="it-IT" dirty="0"/>
+              <a:t>Set a enviroment </a:t>
+            </a:r>
+            <a:r>
+              <a:rPr lang="it-IT" dirty="0">
+                <a:latin typeface="+mj-lt"/>
+              </a:rPr>
+              <a:t>MASTER_ADDR </a:t>
+            </a:r>
+            <a:r>
+              <a:rPr lang="it-IT" dirty="0"/>
+              <a:t>and </a:t>
+            </a:r>
+            <a:r>
+              <a:rPr lang="it-IT" dirty="0">
+                <a:latin typeface="+mj-lt"/>
+              </a:rPr>
+              <a:t>MASTER_PORT </a:t>
+            </a:r>
+          </a:p>
+          <a:p>
+            <a:pPr lvl="1"/>
+            <a:r>
+              <a:rPr lang="it-IT" dirty="0"/>
+              <a:t>Init a process group </a:t>
+            </a:r>
+          </a:p>
+          <a:p>
+            <a:pPr lvl="1"/>
+            <a:r>
+              <a:rPr lang="it-IT" dirty="0">
+                <a:latin typeface="+mj-lt"/>
+              </a:rPr>
+              <a:t>parallel_model = nn.parallel.DistributedDataParallel(model, device_ids=[gpu] </a:t>
+            </a:r>
+            <a:endParaRPr lang="it-IT" dirty="0"/>
+          </a:p>
+          <a:p>
+            <a:pPr lvl="1"/>
+            <a:r>
+              <a:rPr lang="it-IT" dirty="0"/>
+              <a:t>Use</a:t>
+            </a:r>
+            <a:r>
+              <a:rPr lang="it-IT" dirty="0">
+                <a:latin typeface="+mj-lt"/>
+              </a:rPr>
+              <a:t> mp.spawn </a:t>
+            </a:r>
+            <a:r>
+              <a:rPr lang="it-IT" dirty="0"/>
+              <a:t>to spawn multiple processes</a:t>
+            </a:r>
+          </a:p>
+          <a:p>
+            <a:pPr lvl="1"/>
+            <a:r>
+              <a:rPr lang="it-IT" dirty="0">
+                <a:latin typeface="+mj-lt"/>
+              </a:rPr>
+              <a:t>...</a:t>
+            </a:r>
+          </a:p>
+          <a:p>
+            <a:pPr lvl="1"/>
+            <a:endParaRPr lang="it-IT" dirty="0">
+              <a:latin typeface="+mj-lt"/>
+            </a:endParaRPr>
+          </a:p>
+          <a:p>
+            <a:r>
+              <a:rPr lang="it-IT" dirty="0">
+                <a:latin typeface="+mj-lt"/>
+              </a:rPr>
+              <a:t>Model parallizeme</a:t>
+            </a:r>
+          </a:p>
+          <a:p>
+            <a:pPr lvl="1"/>
+            <a:r>
+              <a:rPr lang="it-IT" dirty="0"/>
+              <a:t>A shit ton of </a:t>
+            </a:r>
+            <a:r>
+              <a:rPr lang="it-IT" dirty="0">
+                <a:latin typeface="+mj-lt"/>
+              </a:rPr>
+              <a:t>tensor.to(‘cuda:x’) </a:t>
+            </a:r>
+            <a:r>
+              <a:rPr lang="it-IT" dirty="0"/>
+              <a:t>calls</a:t>
+            </a:r>
+            <a:endParaRPr lang="da-DK" dirty="0">
+              <a:latin typeface="+mj-lt"/>
+            </a:endParaRPr>
           </a:p>
         </p:txBody>
       </p:sp>
@@ -6698,7 +6826,7 @@
           <p:cNvPr id="4" name="Date Placeholder 3">
             <a:extLst>
               <a:ext uri="{FF2B5EF4-FFF2-40B4-BE49-F238E27FC236}">
-                <a16:creationId xmlns:a16="http://schemas.microsoft.com/office/drawing/2014/main" id="{C5BC8217-819E-44D5-93A0-22077CC93CEA}"/>
+                <a16:creationId xmlns:a16="http://schemas.microsoft.com/office/drawing/2014/main" id="{2C81EB74-91F6-42FF-9F1A-7EB2205DA231}"/>
               </a:ext>
             </a:extLst>
           </p:cNvPr>
@@ -6716,7 +6844,7 @@
           <a:p>
             <a:fld id="{019E29B9-5584-4737-9C98-1B926378C778}" type="datetime1">
               <a:rPr lang="en-US" smtClean="0"/>
-              <a:t>5/4/2021</a:t>
+              <a:t>5/21/2021</a:t>
             </a:fld>
             <a:endParaRPr lang="da-DK"/>
           </a:p>
@@ -6727,7 +6855,7 @@
           <p:cNvPr id="5" name="Footer Placeholder 4">
             <a:extLst>
               <a:ext uri="{FF2B5EF4-FFF2-40B4-BE49-F238E27FC236}">
-                <a16:creationId xmlns:a16="http://schemas.microsoft.com/office/drawing/2014/main" id="{D0CA77D4-EF99-4034-AB30-3A644D89A27F}"/>
+                <a16:creationId xmlns:a16="http://schemas.microsoft.com/office/drawing/2014/main" id="{84AA0379-D4EE-450E-A6A7-CF6888D62589}"/>
               </a:ext>
             </a:extLst>
           </p:cNvPr>
@@ -6755,7 +6883,7 @@
           <p:cNvPr id="6" name="Slide Number Placeholder 5">
             <a:extLst>
               <a:ext uri="{FF2B5EF4-FFF2-40B4-BE49-F238E27FC236}">
-                <a16:creationId xmlns:a16="http://schemas.microsoft.com/office/drawing/2014/main" id="{176A0847-4B94-4439-B781-6BE280BB51D5}"/>
+                <a16:creationId xmlns:a16="http://schemas.microsoft.com/office/drawing/2014/main" id="{BE39C493-E112-4D00-B426-F1583C4A9851}"/>
               </a:ext>
             </a:extLst>
           </p:cNvPr>
@@ -6779,6 +6907,296 @@
           </a:p>
         </p:txBody>
       </p:sp>
+    </p:spTree>
+    <p:extLst>
+      <p:ext uri="{BB962C8B-B14F-4D97-AF65-F5344CB8AC3E}">
+        <p14:creationId xmlns:p14="http://schemas.microsoft.com/office/powerpoint/2010/main" val="3724580019"/>
+      </p:ext>
+    </p:extLst>
+  </p:cSld>
+  <p:clrMapOvr>
+    <a:masterClrMapping/>
+  </p:clrMapOvr>
+</p:sld>
+</file>
+
+<file path=ppt/slides/slide11.xml><?xml version="1.0" encoding="utf-8"?>
+<p:sld xmlns:a="http://schemas.openxmlformats.org/drawingml/2006/main" xmlns:r="http://schemas.openxmlformats.org/officeDocument/2006/relationships" xmlns:p="http://schemas.openxmlformats.org/presentationml/2006/main">
+  <p:cSld>
+    <p:spTree>
+      <p:nvGrpSpPr>
+        <p:cNvPr id="1" name=""/>
+        <p:cNvGrpSpPr/>
+        <p:nvPr/>
+      </p:nvGrpSpPr>
+      <p:grpSpPr>
+        <a:xfrm>
+          <a:off x="0" y="0"/>
+          <a:ext cx="0" cy="0"/>
+          <a:chOff x="0" y="0"/>
+          <a:chExt cx="0" cy="0"/>
+        </a:xfrm>
+      </p:grpSpPr>
+      <p:sp>
+        <p:nvSpPr>
+          <p:cNvPr id="2" name="Title 1">
+            <a:extLst>
+              <a:ext uri="{FF2B5EF4-FFF2-40B4-BE49-F238E27FC236}">
+                <a16:creationId xmlns:a16="http://schemas.microsoft.com/office/drawing/2014/main" id="{C7F2184C-4B69-4241-BB63-BDCE137AED2E}"/>
+              </a:ext>
+            </a:extLst>
+          </p:cNvPr>
+          <p:cNvSpPr>
+            <a:spLocks noGrp="1"/>
+          </p:cNvSpPr>
+          <p:nvPr>
+            <p:ph type="title"/>
+          </p:nvPr>
+        </p:nvSpPr>
+        <p:spPr/>
+        <p:txBody>
+          <a:bodyPr/>
+          <a:lstStyle/>
+          <a:p>
+            <a:r>
+              <a:rPr lang="da-DK" dirty="0"/>
+              <a:t>Seperating engineering and research code</a:t>
+            </a:r>
+          </a:p>
+        </p:txBody>
+      </p:sp>
+      <p:sp>
+        <p:nvSpPr>
+          <p:cNvPr id="3" name="Content Placeholder 2">
+            <a:extLst>
+              <a:ext uri="{FF2B5EF4-FFF2-40B4-BE49-F238E27FC236}">
+                <a16:creationId xmlns:a16="http://schemas.microsoft.com/office/drawing/2014/main" id="{1FAB9D8F-9B57-4DF7-8846-1A39780BA61E}"/>
+              </a:ext>
+            </a:extLst>
+          </p:cNvPr>
+          <p:cNvSpPr>
+            <a:spLocks noGrp="1"/>
+          </p:cNvSpPr>
+          <p:nvPr>
+            <p:ph idx="1"/>
+          </p:nvPr>
+        </p:nvSpPr>
+        <p:spPr/>
+        <p:txBody>
+          <a:bodyPr/>
+          <a:lstStyle/>
+          <a:p>
+            <a:pPr marL="0" indent="0">
+              <a:buNone/>
+            </a:pPr>
+            <a:r>
+              <a:rPr lang="en-US" dirty="0"/>
+              <a:t>Getting code to run in parallel has somewhat become a research task!</a:t>
+            </a:r>
+          </a:p>
+          <a:p>
+            <a:pPr marL="0" indent="0" algn="ctr">
+              <a:buNone/>
+            </a:pPr>
+            <a:r>
+              <a:rPr lang="en-US" i="1" dirty="0"/>
+              <a:t>However maybe it should not be like that?</a:t>
+            </a:r>
+          </a:p>
+          <a:p>
+            <a:pPr marL="0" indent="0" algn="ctr">
+              <a:buNone/>
+            </a:pPr>
+            <a:endParaRPr lang="en-US" dirty="0"/>
+          </a:p>
+          <a:p>
+            <a:pPr marL="0" indent="0" algn="ctr">
+              <a:buNone/>
+            </a:pPr>
+            <a:r>
+              <a:rPr lang="en-US" dirty="0"/>
+              <a:t>Research Code				Engineering code</a:t>
+            </a:r>
+          </a:p>
+          <a:p>
+            <a:pPr marL="0" indent="0" algn="ctr">
+              <a:buNone/>
+            </a:pPr>
+            <a:endParaRPr lang="en-US" dirty="0"/>
+          </a:p>
+          <a:p>
+            <a:pPr marL="0" indent="0" algn="ctr">
+              <a:buNone/>
+            </a:pPr>
+            <a:endParaRPr lang="en-US" dirty="0"/>
+          </a:p>
+          <a:p>
+            <a:pPr marL="0" indent="0" algn="ctr">
+              <a:buNone/>
+            </a:pPr>
+            <a:endParaRPr lang="en-US" dirty="0"/>
+          </a:p>
+          <a:p>
+            <a:pPr marL="0" indent="0" algn="ctr">
+              <a:buNone/>
+            </a:pPr>
+            <a:endParaRPr lang="en-US" dirty="0"/>
+          </a:p>
+          <a:p>
+            <a:pPr marL="0" indent="0">
+              <a:buNone/>
+            </a:pPr>
+            <a:r>
+              <a:rPr lang="en-US" dirty="0"/>
+              <a:t>Spend time on research code and not engineering code!</a:t>
+            </a:r>
+          </a:p>
+        </p:txBody>
+      </p:sp>
+      <p:sp>
+        <p:nvSpPr>
+          <p:cNvPr id="4" name="Date Placeholder 3">
+            <a:extLst>
+              <a:ext uri="{FF2B5EF4-FFF2-40B4-BE49-F238E27FC236}">
+                <a16:creationId xmlns:a16="http://schemas.microsoft.com/office/drawing/2014/main" id="{C5BC8217-819E-44D5-93A0-22077CC93CEA}"/>
+              </a:ext>
+            </a:extLst>
+          </p:cNvPr>
+          <p:cNvSpPr>
+            <a:spLocks noGrp="1"/>
+          </p:cNvSpPr>
+          <p:nvPr>
+            <p:ph type="dt" sz="half" idx="10"/>
+          </p:nvPr>
+        </p:nvSpPr>
+        <p:spPr/>
+        <p:txBody>
+          <a:bodyPr/>
+          <a:lstStyle/>
+          <a:p>
+            <a:fld id="{019E29B9-5584-4737-9C98-1B926378C778}" type="datetime1">
+              <a:rPr lang="en-US" smtClean="0"/>
+              <a:t>5/21/2021</a:t>
+            </a:fld>
+            <a:endParaRPr lang="da-DK"/>
+          </a:p>
+        </p:txBody>
+      </p:sp>
+      <p:sp>
+        <p:nvSpPr>
+          <p:cNvPr id="5" name="Footer Placeholder 4">
+            <a:extLst>
+              <a:ext uri="{FF2B5EF4-FFF2-40B4-BE49-F238E27FC236}">
+                <a16:creationId xmlns:a16="http://schemas.microsoft.com/office/drawing/2014/main" id="{D0CA77D4-EF99-4034-AB30-3A644D89A27F}"/>
+              </a:ext>
+            </a:extLst>
+          </p:cNvPr>
+          <p:cNvSpPr>
+            <a:spLocks noGrp="1"/>
+          </p:cNvSpPr>
+          <p:nvPr>
+            <p:ph type="ftr" sz="quarter" idx="11"/>
+          </p:nvPr>
+        </p:nvSpPr>
+        <p:spPr/>
+        <p:txBody>
+          <a:bodyPr/>
+          <a:lstStyle/>
+          <a:p>
+            <a:r>
+              <a:rPr lang="da-DK"/>
+              <a:t>Nicki Skafte Detlefsen</a:t>
+            </a:r>
+          </a:p>
+        </p:txBody>
+      </p:sp>
+      <p:sp>
+        <p:nvSpPr>
+          <p:cNvPr id="6" name="Slide Number Placeholder 5">
+            <a:extLst>
+              <a:ext uri="{FF2B5EF4-FFF2-40B4-BE49-F238E27FC236}">
+                <a16:creationId xmlns:a16="http://schemas.microsoft.com/office/drawing/2014/main" id="{176A0847-4B94-4439-B781-6BE280BB51D5}"/>
+              </a:ext>
+            </a:extLst>
+          </p:cNvPr>
+          <p:cNvSpPr>
+            <a:spLocks noGrp="1"/>
+          </p:cNvSpPr>
+          <p:nvPr>
+            <p:ph type="sldNum" sz="quarter" idx="12"/>
+          </p:nvPr>
+        </p:nvSpPr>
+        <p:spPr/>
+        <p:txBody>
+          <a:bodyPr/>
+          <a:lstStyle/>
+          <a:p>
+            <a:fld id="{F6FEDE24-D50C-481B-A7B4-8AF13899101A}" type="slidenum">
+              <a:rPr lang="da-DK" smtClean="0"/>
+              <a:t>11</a:t>
+            </a:fld>
+            <a:endParaRPr lang="da-DK"/>
+          </a:p>
+        </p:txBody>
+      </p:sp>
+      <p:pic>
+        <p:nvPicPr>
+          <p:cNvPr id="8" name="Picture 7">
+            <a:extLst>
+              <a:ext uri="{FF2B5EF4-FFF2-40B4-BE49-F238E27FC236}">
+                <a16:creationId xmlns:a16="http://schemas.microsoft.com/office/drawing/2014/main" id="{2280C72E-6B5F-45A6-909F-5FA418AE601E}"/>
+              </a:ext>
+            </a:extLst>
+          </p:cNvPr>
+          <p:cNvPicPr>
+            <a:picLocks noChangeAspect="1"/>
+          </p:cNvPicPr>
+          <p:nvPr/>
+        </p:nvPicPr>
+        <p:blipFill rotWithShape="1">
+          <a:blip r:embed="rId2"/>
+          <a:srcRect r="10601"/>
+          <a:stretch/>
+        </p:blipFill>
+        <p:spPr>
+          <a:xfrm>
+            <a:off x="1399221" y="3344688"/>
+            <a:ext cx="3789293" cy="2000250"/>
+          </a:xfrm>
+          <a:prstGeom prst="rect">
+            <a:avLst/>
+          </a:prstGeom>
+        </p:spPr>
+      </p:pic>
+      <p:pic>
+        <p:nvPicPr>
+          <p:cNvPr id="10" name="Picture 9">
+            <a:extLst>
+              <a:ext uri="{FF2B5EF4-FFF2-40B4-BE49-F238E27FC236}">
+                <a16:creationId xmlns:a16="http://schemas.microsoft.com/office/drawing/2014/main" id="{53C8CE56-A220-4572-B956-34834038A0AA}"/>
+              </a:ext>
+            </a:extLst>
+          </p:cNvPr>
+          <p:cNvPicPr>
+            <a:picLocks noChangeAspect="1"/>
+          </p:cNvPicPr>
+          <p:nvPr/>
+        </p:nvPicPr>
+        <p:blipFill rotWithShape="1">
+          <a:blip r:embed="rId3"/>
+          <a:srcRect r="7697"/>
+          <a:stretch/>
+        </p:blipFill>
+        <p:spPr>
+          <a:xfrm>
+            <a:off x="7003486" y="3344688"/>
+            <a:ext cx="3789293" cy="2057400"/>
+          </a:xfrm>
+          <a:prstGeom prst="rect">
+            <a:avLst/>
+          </a:prstGeom>
+        </p:spPr>
+      </p:pic>
     </p:spTree>
     <p:extLst>
       <p:ext uri="{BB962C8B-B14F-4D97-AF65-F5344CB8AC3E}">
@@ -6789,6 +7207,848 @@
   <p:clrMapOvr>
     <a:masterClrMapping/>
   </p:clrMapOvr>
+</p:sld>
+</file>
+
+<file path=ppt/slides/slide12.xml><?xml version="1.0" encoding="utf-8"?>
+<p:sld xmlns:a="http://schemas.openxmlformats.org/drawingml/2006/main" xmlns:r="http://schemas.openxmlformats.org/officeDocument/2006/relationships" xmlns:p="http://schemas.openxmlformats.org/presentationml/2006/main">
+  <p:cSld>
+    <p:spTree>
+      <p:nvGrpSpPr>
+        <p:cNvPr id="1" name=""/>
+        <p:cNvGrpSpPr/>
+        <p:nvPr/>
+      </p:nvGrpSpPr>
+      <p:grpSpPr>
+        <a:xfrm>
+          <a:off x="0" y="0"/>
+          <a:ext cx="0" cy="0"/>
+          <a:chOff x="0" y="0"/>
+          <a:chExt cx="0" cy="0"/>
+        </a:xfrm>
+      </p:grpSpPr>
+      <p:sp>
+        <p:nvSpPr>
+          <p:cNvPr id="2" name="Title 1">
+            <a:extLst>
+              <a:ext uri="{FF2B5EF4-FFF2-40B4-BE49-F238E27FC236}">
+                <a16:creationId xmlns:a16="http://schemas.microsoft.com/office/drawing/2014/main" id="{CDDB95BA-2E75-4F5E-B188-42B284D48412}"/>
+              </a:ext>
+            </a:extLst>
+          </p:cNvPr>
+          <p:cNvSpPr>
+            <a:spLocks noGrp="1"/>
+          </p:cNvSpPr>
+          <p:nvPr>
+            <p:ph type="title"/>
+          </p:nvPr>
+        </p:nvSpPr>
+        <p:spPr/>
+        <p:txBody>
+          <a:bodyPr/>
+          <a:lstStyle/>
+          <a:p>
+            <a:r>
+              <a:rPr lang="da-DK" dirty="0"/>
+              <a:t>Why using a training framework</a:t>
+            </a:r>
+          </a:p>
+        </p:txBody>
+      </p:sp>
+      <p:sp>
+        <p:nvSpPr>
+          <p:cNvPr id="3" name="Content Placeholder 2">
+            <a:extLst>
+              <a:ext uri="{FF2B5EF4-FFF2-40B4-BE49-F238E27FC236}">
+                <a16:creationId xmlns:a16="http://schemas.microsoft.com/office/drawing/2014/main" id="{387FF97A-4FFC-463D-90E8-99C42C51604F}"/>
+              </a:ext>
+            </a:extLst>
+          </p:cNvPr>
+          <p:cNvSpPr>
+            <a:spLocks noGrp="1"/>
+          </p:cNvSpPr>
+          <p:nvPr>
+            <p:ph idx="1"/>
+          </p:nvPr>
+        </p:nvSpPr>
+        <p:spPr/>
+        <p:txBody>
+          <a:bodyPr>
+            <a:normAutofit/>
+          </a:bodyPr>
+          <a:lstStyle/>
+          <a:p>
+            <a:pPr marL="0" indent="0">
+              <a:buNone/>
+            </a:pPr>
+            <a:r>
+              <a:rPr lang="en-US" dirty="0"/>
+              <a:t>Spend time on research code and not engineering code</a:t>
+            </a:r>
+          </a:p>
+          <a:p>
+            <a:pPr marL="0" indent="0">
+              <a:buNone/>
+            </a:pPr>
+            <a:r>
+              <a:rPr lang="da-DK" dirty="0"/>
+              <a:t>-&gt; Why training frameworks exist!</a:t>
+            </a:r>
+          </a:p>
+          <a:p>
+            <a:endParaRPr lang="da-DK" dirty="0"/>
+          </a:p>
+          <a:p>
+            <a:r>
+              <a:rPr lang="da-DK" dirty="0"/>
+              <a:t>Reduce boilerplate = increase turn-around time</a:t>
+            </a:r>
+          </a:p>
+          <a:p>
+            <a:r>
+              <a:rPr lang="da-DK" dirty="0"/>
+              <a:t>Focus on what is important</a:t>
+            </a:r>
+          </a:p>
+          <a:p>
+            <a:r>
+              <a:rPr lang="da-DK" dirty="0"/>
+              <a:t>Reproduceability</a:t>
+            </a:r>
+          </a:p>
+          <a:p>
+            <a:r>
+              <a:rPr lang="da-DK" dirty="0"/>
+              <a:t>Shareability</a:t>
+            </a:r>
+          </a:p>
+          <a:p>
+            <a:r>
+              <a:rPr lang="da-DK" dirty="0"/>
+              <a:t>Consistency</a:t>
+            </a:r>
+          </a:p>
+          <a:p>
+            <a:r>
+              <a:rPr lang="da-DK" dirty="0"/>
+              <a:t>Scaleability</a:t>
+            </a:r>
+          </a:p>
+        </p:txBody>
+      </p:sp>
+      <p:sp>
+        <p:nvSpPr>
+          <p:cNvPr id="4" name="Date Placeholder 3">
+            <a:extLst>
+              <a:ext uri="{FF2B5EF4-FFF2-40B4-BE49-F238E27FC236}">
+                <a16:creationId xmlns:a16="http://schemas.microsoft.com/office/drawing/2014/main" id="{43879CCE-D927-4052-A1FB-929A2A10371C}"/>
+              </a:ext>
+            </a:extLst>
+          </p:cNvPr>
+          <p:cNvSpPr>
+            <a:spLocks noGrp="1"/>
+          </p:cNvSpPr>
+          <p:nvPr>
+            <p:ph type="dt" sz="half" idx="10"/>
+          </p:nvPr>
+        </p:nvSpPr>
+        <p:spPr/>
+        <p:txBody>
+          <a:bodyPr/>
+          <a:lstStyle/>
+          <a:p>
+            <a:fld id="{019E29B9-5584-4737-9C98-1B926378C778}" type="datetime1">
+              <a:rPr lang="en-US" smtClean="0"/>
+              <a:t>5/21/2021</a:t>
+            </a:fld>
+            <a:endParaRPr lang="da-DK"/>
+          </a:p>
+        </p:txBody>
+      </p:sp>
+      <p:sp>
+        <p:nvSpPr>
+          <p:cNvPr id="5" name="Footer Placeholder 4">
+            <a:extLst>
+              <a:ext uri="{FF2B5EF4-FFF2-40B4-BE49-F238E27FC236}">
+                <a16:creationId xmlns:a16="http://schemas.microsoft.com/office/drawing/2014/main" id="{A334F260-D169-444E-91F9-5764951804E7}"/>
+              </a:ext>
+            </a:extLst>
+          </p:cNvPr>
+          <p:cNvSpPr>
+            <a:spLocks noGrp="1"/>
+          </p:cNvSpPr>
+          <p:nvPr>
+            <p:ph type="ftr" sz="quarter" idx="11"/>
+          </p:nvPr>
+        </p:nvSpPr>
+        <p:spPr/>
+        <p:txBody>
+          <a:bodyPr/>
+          <a:lstStyle/>
+          <a:p>
+            <a:r>
+              <a:rPr lang="da-DK"/>
+              <a:t>Nicki Skafte Detlefsen</a:t>
+            </a:r>
+          </a:p>
+        </p:txBody>
+      </p:sp>
+      <p:sp>
+        <p:nvSpPr>
+          <p:cNvPr id="6" name="Slide Number Placeholder 5">
+            <a:extLst>
+              <a:ext uri="{FF2B5EF4-FFF2-40B4-BE49-F238E27FC236}">
+                <a16:creationId xmlns:a16="http://schemas.microsoft.com/office/drawing/2014/main" id="{A24C1171-7814-48AF-91E5-D177AC0CD8F1}"/>
+              </a:ext>
+            </a:extLst>
+          </p:cNvPr>
+          <p:cNvSpPr>
+            <a:spLocks noGrp="1"/>
+          </p:cNvSpPr>
+          <p:nvPr>
+            <p:ph type="sldNum" sz="quarter" idx="12"/>
+          </p:nvPr>
+        </p:nvSpPr>
+        <p:spPr/>
+        <p:txBody>
+          <a:bodyPr/>
+          <a:lstStyle/>
+          <a:p>
+            <a:fld id="{F6FEDE24-D50C-481B-A7B4-8AF13899101A}" type="slidenum">
+              <a:rPr lang="da-DK" smtClean="0"/>
+              <a:t>12</a:t>
+            </a:fld>
+            <a:endParaRPr lang="da-DK"/>
+          </a:p>
+        </p:txBody>
+      </p:sp>
+    </p:spTree>
+    <p:extLst>
+      <p:ext uri="{BB962C8B-B14F-4D97-AF65-F5344CB8AC3E}">
+        <p14:creationId xmlns:p14="http://schemas.microsoft.com/office/powerpoint/2010/main" val="163734397"/>
+      </p:ext>
+    </p:extLst>
+  </p:cSld>
+  <p:clrMapOvr>
+    <a:masterClrMapping/>
+  </p:clrMapOvr>
+</p:sld>
+</file>
+
+<file path=ppt/slides/slide13.xml><?xml version="1.0" encoding="utf-8"?>
+<p:sld xmlns:a="http://schemas.openxmlformats.org/drawingml/2006/main" xmlns:r="http://schemas.openxmlformats.org/officeDocument/2006/relationships" xmlns:p="http://schemas.openxmlformats.org/presentationml/2006/main">
+  <p:cSld>
+    <p:spTree>
+      <p:nvGrpSpPr>
+        <p:cNvPr id="1" name=""/>
+        <p:cNvGrpSpPr/>
+        <p:nvPr/>
+      </p:nvGrpSpPr>
+      <p:grpSpPr>
+        <a:xfrm>
+          <a:off x="0" y="0"/>
+          <a:ext cx="0" cy="0"/>
+          <a:chOff x="0" y="0"/>
+          <a:chExt cx="0" cy="0"/>
+        </a:xfrm>
+      </p:grpSpPr>
+      <p:sp>
+        <p:nvSpPr>
+          <p:cNvPr id="2" name="Title 1">
+            <a:extLst>
+              <a:ext uri="{FF2B5EF4-FFF2-40B4-BE49-F238E27FC236}">
+                <a16:creationId xmlns:a16="http://schemas.microsoft.com/office/drawing/2014/main" id="{D27A6DE8-A1FD-44C2-AF38-0B771A01E1AE}"/>
+              </a:ext>
+            </a:extLst>
+          </p:cNvPr>
+          <p:cNvSpPr>
+            <a:spLocks noGrp="1"/>
+          </p:cNvSpPr>
+          <p:nvPr>
+            <p:ph type="title"/>
+          </p:nvPr>
+        </p:nvSpPr>
+        <p:spPr/>
+        <p:txBody>
+          <a:bodyPr/>
+          <a:lstStyle/>
+          <a:p>
+            <a:r>
+              <a:rPr lang="da-DK" dirty="0"/>
+              <a:t>Training Fremworks</a:t>
+            </a:r>
+          </a:p>
+        </p:txBody>
+      </p:sp>
+      <p:sp>
+        <p:nvSpPr>
+          <p:cNvPr id="3" name="Content Placeholder 2">
+            <a:extLst>
+              <a:ext uri="{FF2B5EF4-FFF2-40B4-BE49-F238E27FC236}">
+                <a16:creationId xmlns:a16="http://schemas.microsoft.com/office/drawing/2014/main" id="{AD738847-F757-4CA2-BCE9-5CD874598CA6}"/>
+              </a:ext>
+            </a:extLst>
+          </p:cNvPr>
+          <p:cNvSpPr>
+            <a:spLocks noGrp="1"/>
+          </p:cNvSpPr>
+          <p:nvPr>
+            <p:ph idx="1"/>
+          </p:nvPr>
+        </p:nvSpPr>
+        <p:spPr/>
+        <p:txBody>
+          <a:bodyPr/>
+          <a:lstStyle/>
+          <a:p>
+            <a:pPr marL="0" indent="0">
+              <a:buNone/>
+            </a:pPr>
+            <a:r>
+              <a:rPr lang="da-DK" dirty="0"/>
+              <a:t>Many fremeworks exist for reducing boilerplate</a:t>
+            </a:r>
+          </a:p>
+          <a:p>
+            <a:pPr marL="0" indent="0">
+              <a:buNone/>
+            </a:pPr>
+            <a:endParaRPr lang="da-DK" dirty="0"/>
+          </a:p>
+          <a:p>
+            <a:pPr marL="0" indent="0">
+              <a:buNone/>
+            </a:pPr>
+            <a:endParaRPr lang="da-DK" dirty="0"/>
+          </a:p>
+          <a:p>
+            <a:pPr marL="0" indent="0">
+              <a:buNone/>
+            </a:pPr>
+            <a:endParaRPr lang="da-DK" dirty="0"/>
+          </a:p>
+          <a:p>
+            <a:pPr marL="0" indent="0">
+              <a:buNone/>
+            </a:pPr>
+            <a:r>
+              <a:rPr lang="da-DK" dirty="0"/>
+              <a:t>Many frameworks for accelerating training </a:t>
+            </a:r>
+          </a:p>
+          <a:p>
+            <a:pPr marL="0" indent="0">
+              <a:buNone/>
+            </a:pPr>
+            <a:endParaRPr lang="da-DK" dirty="0"/>
+          </a:p>
+        </p:txBody>
+      </p:sp>
+      <p:sp>
+        <p:nvSpPr>
+          <p:cNvPr id="4" name="Date Placeholder 3">
+            <a:extLst>
+              <a:ext uri="{FF2B5EF4-FFF2-40B4-BE49-F238E27FC236}">
+                <a16:creationId xmlns:a16="http://schemas.microsoft.com/office/drawing/2014/main" id="{C5BE0E4C-9F74-40D9-8B27-1F684F43DDED}"/>
+              </a:ext>
+            </a:extLst>
+          </p:cNvPr>
+          <p:cNvSpPr>
+            <a:spLocks noGrp="1"/>
+          </p:cNvSpPr>
+          <p:nvPr>
+            <p:ph type="dt" sz="half" idx="10"/>
+          </p:nvPr>
+        </p:nvSpPr>
+        <p:spPr/>
+        <p:txBody>
+          <a:bodyPr/>
+          <a:lstStyle/>
+          <a:p>
+            <a:fld id="{019E29B9-5584-4737-9C98-1B926378C778}" type="datetime1">
+              <a:rPr lang="en-US" smtClean="0"/>
+              <a:t>5/21/2021</a:t>
+            </a:fld>
+            <a:endParaRPr lang="da-DK"/>
+          </a:p>
+        </p:txBody>
+      </p:sp>
+      <p:sp>
+        <p:nvSpPr>
+          <p:cNvPr id="5" name="Footer Placeholder 4">
+            <a:extLst>
+              <a:ext uri="{FF2B5EF4-FFF2-40B4-BE49-F238E27FC236}">
+                <a16:creationId xmlns:a16="http://schemas.microsoft.com/office/drawing/2014/main" id="{BC150124-C72D-47C0-9EEA-674321BB1B49}"/>
+              </a:ext>
+            </a:extLst>
+          </p:cNvPr>
+          <p:cNvSpPr>
+            <a:spLocks noGrp="1"/>
+          </p:cNvSpPr>
+          <p:nvPr>
+            <p:ph type="ftr" sz="quarter" idx="11"/>
+          </p:nvPr>
+        </p:nvSpPr>
+        <p:spPr/>
+        <p:txBody>
+          <a:bodyPr/>
+          <a:lstStyle/>
+          <a:p>
+            <a:r>
+              <a:rPr lang="da-DK"/>
+              <a:t>Nicki Skafte Detlefsen</a:t>
+            </a:r>
+          </a:p>
+        </p:txBody>
+      </p:sp>
+      <p:sp>
+        <p:nvSpPr>
+          <p:cNvPr id="6" name="Slide Number Placeholder 5">
+            <a:extLst>
+              <a:ext uri="{FF2B5EF4-FFF2-40B4-BE49-F238E27FC236}">
+                <a16:creationId xmlns:a16="http://schemas.microsoft.com/office/drawing/2014/main" id="{028D8E30-DFBE-4906-9C04-6E23CECFD8F5}"/>
+              </a:ext>
+            </a:extLst>
+          </p:cNvPr>
+          <p:cNvSpPr>
+            <a:spLocks noGrp="1"/>
+          </p:cNvSpPr>
+          <p:nvPr>
+            <p:ph type="sldNum" sz="quarter" idx="12"/>
+          </p:nvPr>
+        </p:nvSpPr>
+        <p:spPr/>
+        <p:txBody>
+          <a:bodyPr/>
+          <a:lstStyle/>
+          <a:p>
+            <a:fld id="{F6FEDE24-D50C-481B-A7B4-8AF13899101A}" type="slidenum">
+              <a:rPr lang="da-DK" smtClean="0"/>
+              <a:t>13</a:t>
+            </a:fld>
+            <a:endParaRPr lang="da-DK"/>
+          </a:p>
+        </p:txBody>
+      </p:sp>
+      <p:pic>
+        <p:nvPicPr>
+          <p:cNvPr id="10" name="Picture 9">
+            <a:extLst>
+              <a:ext uri="{FF2B5EF4-FFF2-40B4-BE49-F238E27FC236}">
+                <a16:creationId xmlns:a16="http://schemas.microsoft.com/office/drawing/2014/main" id="{0368B075-80DC-4BAA-BD1D-52B5BD023979}"/>
+              </a:ext>
+            </a:extLst>
+          </p:cNvPr>
+          <p:cNvPicPr>
+            <a:picLocks noChangeAspect="1"/>
+          </p:cNvPicPr>
+          <p:nvPr/>
+        </p:nvPicPr>
+        <p:blipFill>
+          <a:blip r:embed="rId2">
+            <a:extLst>
+              <a:ext uri="{28A0092B-C50C-407E-A947-70E740481C1C}">
+                <a14:useLocalDpi xmlns:a14="http://schemas.microsoft.com/office/drawing/2010/main" val="0"/>
+              </a:ext>
+            </a:extLst>
+          </a:blip>
+          <a:stretch>
+            <a:fillRect/>
+          </a:stretch>
+        </p:blipFill>
+        <p:spPr>
+          <a:xfrm>
+            <a:off x="1135924" y="2001070"/>
+            <a:ext cx="2578233" cy="1231963"/>
+          </a:xfrm>
+          <a:prstGeom prst="rect">
+            <a:avLst/>
+          </a:prstGeom>
+        </p:spPr>
+      </p:pic>
+      <p:pic>
+        <p:nvPicPr>
+          <p:cNvPr id="12" name="Picture 11">
+            <a:extLst>
+              <a:ext uri="{FF2B5EF4-FFF2-40B4-BE49-F238E27FC236}">
+                <a16:creationId xmlns:a16="http://schemas.microsoft.com/office/drawing/2014/main" id="{AD382B24-FD5E-4EDA-B1F4-5ABE40857BD0}"/>
+              </a:ext>
+            </a:extLst>
+          </p:cNvPr>
+          <p:cNvPicPr>
+            <a:picLocks noChangeAspect="1"/>
+          </p:cNvPicPr>
+          <p:nvPr/>
+        </p:nvPicPr>
+        <p:blipFill>
+          <a:blip r:embed="rId3">
+            <a:extLst>
+              <a:ext uri="{28A0092B-C50C-407E-A947-70E740481C1C}">
+                <a14:useLocalDpi xmlns:a14="http://schemas.microsoft.com/office/drawing/2010/main" val="0"/>
+              </a:ext>
+            </a:extLst>
+          </a:blip>
+          <a:stretch>
+            <a:fillRect/>
+          </a:stretch>
+        </p:blipFill>
+        <p:spPr>
+          <a:xfrm>
+            <a:off x="7519593" y="1836263"/>
+            <a:ext cx="3443788" cy="1371352"/>
+          </a:xfrm>
+          <a:prstGeom prst="rect">
+            <a:avLst/>
+          </a:prstGeom>
+        </p:spPr>
+      </p:pic>
+      <p:pic>
+        <p:nvPicPr>
+          <p:cNvPr id="14" name="Picture 13">
+            <a:extLst>
+              <a:ext uri="{FF2B5EF4-FFF2-40B4-BE49-F238E27FC236}">
+                <a16:creationId xmlns:a16="http://schemas.microsoft.com/office/drawing/2014/main" id="{31D96D66-301D-4B88-ADAC-630BA9A640FD}"/>
+              </a:ext>
+            </a:extLst>
+          </p:cNvPr>
+          <p:cNvPicPr>
+            <a:picLocks noChangeAspect="1"/>
+          </p:cNvPicPr>
+          <p:nvPr/>
+        </p:nvPicPr>
+        <p:blipFill>
+          <a:blip r:embed="rId4">
+            <a:extLst>
+              <a:ext uri="{28A0092B-C50C-407E-A947-70E740481C1C}">
+                <a14:useLocalDpi xmlns:a14="http://schemas.microsoft.com/office/drawing/2010/main" val="0"/>
+              </a:ext>
+            </a:extLst>
+          </a:blip>
+          <a:stretch>
+            <a:fillRect/>
+          </a:stretch>
+        </p:blipFill>
+        <p:spPr>
+          <a:xfrm>
+            <a:off x="4387032" y="1845223"/>
+            <a:ext cx="3027517" cy="1510740"/>
+          </a:xfrm>
+          <a:prstGeom prst="rect">
+            <a:avLst/>
+          </a:prstGeom>
+        </p:spPr>
+      </p:pic>
+      <p:pic>
+        <p:nvPicPr>
+          <p:cNvPr id="16" name="Picture 15" descr="A picture containing icon&#10;&#10;Description automatically generated">
+            <a:extLst>
+              <a:ext uri="{FF2B5EF4-FFF2-40B4-BE49-F238E27FC236}">
+                <a16:creationId xmlns:a16="http://schemas.microsoft.com/office/drawing/2014/main" id="{6EFE9E2F-DD15-4FBB-9429-6B00D2617B19}"/>
+              </a:ext>
+            </a:extLst>
+          </p:cNvPr>
+          <p:cNvPicPr>
+            <a:picLocks noChangeAspect="1"/>
+          </p:cNvPicPr>
+          <p:nvPr/>
+        </p:nvPicPr>
+        <p:blipFill>
+          <a:blip r:embed="rId5">
+            <a:extLst>
+              <a:ext uri="{28A0092B-C50C-407E-A947-70E740481C1C}">
+                <a14:useLocalDpi xmlns:a14="http://schemas.microsoft.com/office/drawing/2010/main" val="0"/>
+              </a:ext>
+            </a:extLst>
+          </a:blip>
+          <a:stretch>
+            <a:fillRect/>
+          </a:stretch>
+        </p:blipFill>
+        <p:spPr>
+          <a:xfrm>
+            <a:off x="443205" y="3890495"/>
+            <a:ext cx="4363768" cy="2183361"/>
+          </a:xfrm>
+          <a:prstGeom prst="rect">
+            <a:avLst/>
+          </a:prstGeom>
+        </p:spPr>
+      </p:pic>
+      <p:pic>
+        <p:nvPicPr>
+          <p:cNvPr id="18" name="Picture 17" descr="Shape&#10;&#10;Description automatically generated">
+            <a:extLst>
+              <a:ext uri="{FF2B5EF4-FFF2-40B4-BE49-F238E27FC236}">
+                <a16:creationId xmlns:a16="http://schemas.microsoft.com/office/drawing/2014/main" id="{8EDFBB11-4CA0-40E4-9DE1-7989533284A7}"/>
+              </a:ext>
+            </a:extLst>
+          </p:cNvPr>
+          <p:cNvPicPr>
+            <a:picLocks noChangeAspect="1"/>
+          </p:cNvPicPr>
+          <p:nvPr/>
+        </p:nvPicPr>
+        <p:blipFill>
+          <a:blip r:embed="rId6">
+            <a:extLst>
+              <a:ext uri="{28A0092B-C50C-407E-A947-70E740481C1C}">
+                <a14:useLocalDpi xmlns:a14="http://schemas.microsoft.com/office/drawing/2010/main" val="0"/>
+              </a:ext>
+            </a:extLst>
+          </a:blip>
+          <a:stretch>
+            <a:fillRect/>
+          </a:stretch>
+        </p:blipFill>
+        <p:spPr>
+          <a:xfrm>
+            <a:off x="4806973" y="3990876"/>
+            <a:ext cx="1982598" cy="1982598"/>
+          </a:xfrm>
+          <a:prstGeom prst="rect">
+            <a:avLst/>
+          </a:prstGeom>
+        </p:spPr>
+      </p:pic>
+      <p:pic>
+        <p:nvPicPr>
+          <p:cNvPr id="20" name="Picture 19">
+            <a:extLst>
+              <a:ext uri="{FF2B5EF4-FFF2-40B4-BE49-F238E27FC236}">
+                <a16:creationId xmlns:a16="http://schemas.microsoft.com/office/drawing/2014/main" id="{7C5A1973-482B-40AC-B3AD-F23246FBE849}"/>
+              </a:ext>
+            </a:extLst>
+          </p:cNvPr>
+          <p:cNvPicPr>
+            <a:picLocks noChangeAspect="1"/>
+          </p:cNvPicPr>
+          <p:nvPr/>
+        </p:nvPicPr>
+        <p:blipFill>
+          <a:blip r:embed="rId7">
+            <a:extLst>
+              <a:ext uri="{28A0092B-C50C-407E-A947-70E740481C1C}">
+                <a14:useLocalDpi xmlns:a14="http://schemas.microsoft.com/office/drawing/2010/main" val="0"/>
+              </a:ext>
+            </a:extLst>
+          </a:blip>
+          <a:stretch>
+            <a:fillRect/>
+          </a:stretch>
+        </p:blipFill>
+        <p:spPr>
+          <a:xfrm>
+            <a:off x="7107343" y="4257407"/>
+            <a:ext cx="4352381" cy="1333333"/>
+          </a:xfrm>
+          <a:prstGeom prst="rect">
+            <a:avLst/>
+          </a:prstGeom>
+        </p:spPr>
+      </p:pic>
+      <p:pic>
+        <p:nvPicPr>
+          <p:cNvPr id="24" name="Picture 23" descr="A picture containing text, clipart&#10;&#10;Description automatically generated">
+            <a:extLst>
+              <a:ext uri="{FF2B5EF4-FFF2-40B4-BE49-F238E27FC236}">
+                <a16:creationId xmlns:a16="http://schemas.microsoft.com/office/drawing/2014/main" id="{7227304C-9F33-4E68-B313-A3E5169B57D3}"/>
+              </a:ext>
+            </a:extLst>
+          </p:cNvPr>
+          <p:cNvPicPr>
+            <a:picLocks noChangeAspect="1"/>
+          </p:cNvPicPr>
+          <p:nvPr/>
+        </p:nvPicPr>
+        <p:blipFill>
+          <a:blip r:embed="rId8">
+            <a:extLst>
+              <a:ext uri="{28A0092B-C50C-407E-A947-70E740481C1C}">
+                <a14:useLocalDpi xmlns:a14="http://schemas.microsoft.com/office/drawing/2010/main" val="0"/>
+              </a:ext>
+            </a:extLst>
+          </a:blip>
+          <a:stretch>
+            <a:fillRect/>
+          </a:stretch>
+        </p:blipFill>
+        <p:spPr>
+          <a:xfrm rot="2317046">
+            <a:off x="8754417" y="72570"/>
+            <a:ext cx="2295879" cy="1530586"/>
+          </a:xfrm>
+          <a:prstGeom prst="rect">
+            <a:avLst/>
+          </a:prstGeom>
+        </p:spPr>
+      </p:pic>
+      <p:sp>
+        <p:nvSpPr>
+          <p:cNvPr id="21" name="Rectangle 20">
+            <a:extLst>
+              <a:ext uri="{FF2B5EF4-FFF2-40B4-BE49-F238E27FC236}">
+                <a16:creationId xmlns:a16="http://schemas.microsoft.com/office/drawing/2014/main" id="{C89102AB-F7E2-4B19-995A-31E8090112BE}"/>
+              </a:ext>
+            </a:extLst>
+          </p:cNvPr>
+          <p:cNvSpPr/>
+          <p:nvPr/>
+        </p:nvSpPr>
+        <p:spPr>
+          <a:xfrm>
+            <a:off x="7519593" y="1862237"/>
+            <a:ext cx="3536483" cy="1370796"/>
+          </a:xfrm>
+          <a:prstGeom prst="rect">
+            <a:avLst/>
+          </a:prstGeom>
+          <a:noFill/>
+          <a:ln w="38100">
+            <a:solidFill>
+              <a:srgbClr val="FF0000"/>
+            </a:solidFill>
+          </a:ln>
+        </p:spPr>
+        <p:style>
+          <a:lnRef idx="2">
+            <a:schemeClr val="accent1">
+              <a:shade val="50000"/>
+            </a:schemeClr>
+          </a:lnRef>
+          <a:fillRef idx="1">
+            <a:schemeClr val="accent1"/>
+          </a:fillRef>
+          <a:effectRef idx="0">
+            <a:schemeClr val="accent1"/>
+          </a:effectRef>
+          <a:fontRef idx="minor">
+            <a:schemeClr val="lt1"/>
+          </a:fontRef>
+        </p:style>
+        <p:txBody>
+          <a:bodyPr rtlCol="0" anchor="ctr"/>
+          <a:lstStyle/>
+          <a:p>
+            <a:pPr algn="ctr"/>
+            <a:endParaRPr lang="da-DK"/>
+          </a:p>
+        </p:txBody>
+      </p:sp>
+    </p:spTree>
+    <p:extLst>
+      <p:ext uri="{BB962C8B-B14F-4D97-AF65-F5344CB8AC3E}">
+        <p14:creationId xmlns:p14="http://schemas.microsoft.com/office/powerpoint/2010/main" val="779768607"/>
+      </p:ext>
+    </p:extLst>
+  </p:cSld>
+  <p:clrMapOvr>
+    <a:masterClrMapping/>
+  </p:clrMapOvr>
+  <p:timing>
+    <p:tnLst>
+      <p:par>
+        <p:cTn id="1" dur="indefinite" restart="never" nodeType="tmRoot">
+          <p:childTnLst>
+            <p:seq concurrent="1" nextAc="seek">
+              <p:cTn id="2" dur="indefinite" nodeType="mainSeq">
+                <p:childTnLst>
+                  <p:par>
+                    <p:cTn id="3" fill="hold">
+                      <p:stCondLst>
+                        <p:cond delay="indefinite"/>
+                      </p:stCondLst>
+                      <p:childTnLst>
+                        <p:par>
+                          <p:cTn id="4" fill="hold">
+                            <p:stCondLst>
+                              <p:cond delay="0"/>
+                            </p:stCondLst>
+                            <p:childTnLst>
+                              <p:par>
+                                <p:cTn id="5" presetID="1" presetClass="entr" presetSubtype="0" fill="hold" nodeType="clickEffect">
+                                  <p:stCondLst>
+                                    <p:cond delay="0"/>
+                                  </p:stCondLst>
+                                  <p:childTnLst>
+                                    <p:set>
+                                      <p:cBhvr>
+                                        <p:cTn id="6" dur="1" fill="hold">
+                                          <p:stCondLst>
+                                            <p:cond delay="0"/>
+                                          </p:stCondLst>
+                                        </p:cTn>
+                                        <p:tgtEl>
+                                          <p:spTgt spid="24"/>
+                                        </p:tgtEl>
+                                        <p:attrNameLst>
+                                          <p:attrName>style.visibility</p:attrName>
+                                        </p:attrNameLst>
+                                      </p:cBhvr>
+                                      <p:to>
+                                        <p:strVal val="visible"/>
+                                      </p:to>
+                                    </p:set>
+                                  </p:childTnLst>
+                                </p:cTn>
+                              </p:par>
+                              <p:par>
+                                <p:cTn id="7" presetID="1" presetClass="entr" presetSubtype="0" fill="hold" grpId="0" nodeType="withEffect">
+                                  <p:stCondLst>
+                                    <p:cond delay="0"/>
+                                  </p:stCondLst>
+                                  <p:childTnLst>
+                                    <p:set>
+                                      <p:cBhvr>
+                                        <p:cTn id="8" dur="1" fill="hold">
+                                          <p:stCondLst>
+                                            <p:cond delay="0"/>
+                                          </p:stCondLst>
+                                        </p:cTn>
+                                        <p:tgtEl>
+                                          <p:spTgt spid="21"/>
+                                        </p:tgtEl>
+                                        <p:attrNameLst>
+                                          <p:attrName>style.visibility</p:attrName>
+                                        </p:attrNameLst>
+                                      </p:cBhvr>
+                                      <p:to>
+                                        <p:strVal val="visible"/>
+                                      </p:to>
+                                    </p:set>
+                                  </p:childTnLst>
+                                </p:cTn>
+                              </p:par>
+                            </p:childTnLst>
+                          </p:cTn>
+                        </p:par>
+                      </p:childTnLst>
+                    </p:cTn>
+                  </p:par>
+                </p:childTnLst>
+              </p:cTn>
+              <p:prevCondLst>
+                <p:cond evt="onPrev" delay="0">
+                  <p:tgtEl>
+                    <p:sldTgt/>
+                  </p:tgtEl>
+                </p:cond>
+              </p:prevCondLst>
+              <p:nextCondLst>
+                <p:cond evt="onNext" delay="0">
+                  <p:tgtEl>
+                    <p:sldTgt/>
+                  </p:tgtEl>
+                </p:cond>
+              </p:nextCondLst>
+            </p:seq>
+          </p:childTnLst>
+        </p:cTn>
+      </p:par>
+    </p:tnLst>
+    <p:bldLst>
+      <p:bldP spid="21" grpId="0" animBg="1"/>
+    </p:bldLst>
+  </p:timing>
 </p:sld>
 </file>
 
@@ -6858,13 +8118,53 @@
           <a:bodyPr/>
           <a:lstStyle/>
           <a:p>
+            <a:pPr marL="0" indent="0" algn="ctr">
+              <a:buNone/>
+            </a:pPr>
+            <a:r>
+              <a:rPr lang="da-DK" i="1" dirty="0"/>
+              <a:t>Computing on multiple threads/devices/nodes in </a:t>
+            </a:r>
+            <a:r>
+              <a:rPr lang="da-DK" i="1" u="sng" dirty="0"/>
+              <a:t>parallel</a:t>
+            </a:r>
+          </a:p>
+          <a:p>
             <a:pPr marL="0" indent="0">
               <a:buNone/>
             </a:pPr>
+            <a:endParaRPr lang="da-DK" dirty="0"/>
+          </a:p>
+          <a:p>
+            <a:pPr marL="0" indent="0">
+              <a:buNone/>
+            </a:pPr>
             <a:r>
               <a:rPr lang="da-DK" dirty="0"/>
-              <a:t>We focus on training as it is the most computationally expensive part of MLOps</a:t>
-            </a:r>
+              <a:t>We focus on training as it is the most computationally expensive part but doing testing or inference can also be done in distributed manner</a:t>
+            </a:r>
+          </a:p>
+          <a:p>
+            <a:pPr marL="0" indent="0">
+              <a:buNone/>
+            </a:pPr>
+            <a:endParaRPr lang="da-DK" dirty="0"/>
+          </a:p>
+          <a:p>
+            <a:pPr marL="0" indent="0">
+              <a:buNone/>
+            </a:pPr>
+            <a:r>
+              <a:rPr lang="da-DK" dirty="0"/>
+              <a:t>Distributed computing is not always beneficial:</a:t>
+            </a:r>
+          </a:p>
+          <a:p>
+            <a:pPr marL="0" indent="0">
+              <a:buNone/>
+            </a:pPr>
+            <a:endParaRPr lang="da-DK" dirty="0"/>
           </a:p>
         </p:txBody>
       </p:sp>
@@ -6891,7 +8191,7 @@
           <a:p>
             <a:fld id="{019E29B9-5584-4737-9C98-1B926378C778}" type="datetime1">
               <a:rPr lang="en-US" smtClean="0"/>
-              <a:t>5/4/2021</a:t>
+              <a:t>5/21/2021</a:t>
             </a:fld>
             <a:endParaRPr lang="da-DK"/>
           </a:p>
@@ -6951,6 +8251,189 @@
               <a:t>2</a:t>
             </a:fld>
             <a:endParaRPr lang="da-DK"/>
+          </a:p>
+        </p:txBody>
+      </p:sp>
+      <p:sp>
+        <p:nvSpPr>
+          <p:cNvPr id="8" name="Oval 7">
+            <a:extLst>
+              <a:ext uri="{FF2B5EF4-FFF2-40B4-BE49-F238E27FC236}">
+                <a16:creationId xmlns:a16="http://schemas.microsoft.com/office/drawing/2014/main" id="{B4B0BC40-9EBC-44A6-83DF-BDFABA831146}"/>
+              </a:ext>
+            </a:extLst>
+          </p:cNvPr>
+          <p:cNvSpPr/>
+          <p:nvPr/>
+        </p:nvSpPr>
+        <p:spPr>
+          <a:xfrm>
+            <a:off x="5573086" y="5546657"/>
+            <a:ext cx="720000" cy="720000"/>
+          </a:xfrm>
+          <a:prstGeom prst="ellipse">
+            <a:avLst/>
+          </a:prstGeom>
+        </p:spPr>
+        <p:style>
+          <a:lnRef idx="2">
+            <a:schemeClr val="accent1">
+              <a:shade val="50000"/>
+            </a:schemeClr>
+          </a:lnRef>
+          <a:fillRef idx="1">
+            <a:schemeClr val="accent1"/>
+          </a:fillRef>
+          <a:effectRef idx="0">
+            <a:schemeClr val="accent1"/>
+          </a:effectRef>
+          <a:fontRef idx="minor">
+            <a:schemeClr val="lt1"/>
+          </a:fontRef>
+        </p:style>
+        <p:txBody>
+          <a:bodyPr rtlCol="0" anchor="ctr"/>
+          <a:lstStyle/>
+          <a:p>
+            <a:pPr algn="ctr"/>
+            <a:endParaRPr lang="da-DK"/>
+          </a:p>
+        </p:txBody>
+      </p:sp>
+      <p:cxnSp>
+        <p:nvCxnSpPr>
+          <p:cNvPr id="10" name="Straight Connector 9">
+            <a:extLst>
+              <a:ext uri="{FF2B5EF4-FFF2-40B4-BE49-F238E27FC236}">
+                <a16:creationId xmlns:a16="http://schemas.microsoft.com/office/drawing/2014/main" id="{170951E1-13E9-479F-8225-21E3FEE35C27}"/>
+              </a:ext>
+            </a:extLst>
+          </p:cNvPr>
+          <p:cNvCxnSpPr>
+            <a:cxnSpLocks/>
+          </p:cNvCxnSpPr>
+          <p:nvPr/>
+        </p:nvCxnSpPr>
+        <p:spPr>
+          <a:xfrm>
+            <a:off x="2585208" y="5472841"/>
+            <a:ext cx="6877574" cy="0"/>
+          </a:xfrm>
+          <a:prstGeom prst="line">
+            <a:avLst/>
+          </a:prstGeom>
+          <a:ln w="38100"/>
+        </p:spPr>
+        <p:style>
+          <a:lnRef idx="1">
+            <a:schemeClr val="accent1"/>
+          </a:lnRef>
+          <a:fillRef idx="0">
+            <a:schemeClr val="accent1"/>
+          </a:fillRef>
+          <a:effectRef idx="0">
+            <a:schemeClr val="accent1"/>
+          </a:effectRef>
+          <a:fontRef idx="minor">
+            <a:schemeClr val="tx1"/>
+          </a:fontRef>
+        </p:style>
+      </p:cxnSp>
+      <p:sp>
+        <p:nvSpPr>
+          <p:cNvPr id="14" name="Flowchart: Magnetic Disk 13">
+            <a:extLst>
+              <a:ext uri="{FF2B5EF4-FFF2-40B4-BE49-F238E27FC236}">
+                <a16:creationId xmlns:a16="http://schemas.microsoft.com/office/drawing/2014/main" id="{4E0819FD-97F3-4CBE-869D-6E8C5937EC1E}"/>
+              </a:ext>
+            </a:extLst>
+          </p:cNvPr>
+          <p:cNvSpPr/>
+          <p:nvPr/>
+        </p:nvSpPr>
+        <p:spPr>
+          <a:xfrm>
+            <a:off x="2585208" y="4355206"/>
+            <a:ext cx="2253143" cy="979796"/>
+          </a:xfrm>
+          <a:prstGeom prst="flowChartMagneticDisk">
+            <a:avLst/>
+          </a:prstGeom>
+        </p:spPr>
+        <p:style>
+          <a:lnRef idx="2">
+            <a:schemeClr val="accent1">
+              <a:shade val="50000"/>
+            </a:schemeClr>
+          </a:lnRef>
+          <a:fillRef idx="1">
+            <a:schemeClr val="accent1"/>
+          </a:fillRef>
+          <a:effectRef idx="0">
+            <a:schemeClr val="accent1"/>
+          </a:effectRef>
+          <a:fontRef idx="minor">
+            <a:schemeClr val="lt1"/>
+          </a:fontRef>
+        </p:style>
+        <p:txBody>
+          <a:bodyPr rtlCol="0" anchor="ctr"/>
+          <a:lstStyle/>
+          <a:p>
+            <a:pPr algn="ctr"/>
+            <a:r>
+              <a:rPr lang="da-DK" dirty="0"/>
+              <a:t>Communication cost</a:t>
+            </a:r>
+          </a:p>
+        </p:txBody>
+      </p:sp>
+      <p:sp>
+        <p:nvSpPr>
+          <p:cNvPr id="15" name="Flowchart: Magnetic Disk 14">
+            <a:extLst>
+              <a:ext uri="{FF2B5EF4-FFF2-40B4-BE49-F238E27FC236}">
+                <a16:creationId xmlns:a16="http://schemas.microsoft.com/office/drawing/2014/main" id="{4DED00B4-C68B-4B93-B52F-74549CB83A93}"/>
+              </a:ext>
+            </a:extLst>
+          </p:cNvPr>
+          <p:cNvSpPr/>
+          <p:nvPr/>
+        </p:nvSpPr>
+        <p:spPr>
+          <a:xfrm>
+            <a:off x="7125050" y="4369555"/>
+            <a:ext cx="2253143" cy="979796"/>
+          </a:xfrm>
+          <a:prstGeom prst="flowChartMagneticDisk">
+            <a:avLst/>
+          </a:prstGeom>
+        </p:spPr>
+        <p:style>
+          <a:lnRef idx="2">
+            <a:schemeClr val="accent1">
+              <a:shade val="50000"/>
+            </a:schemeClr>
+          </a:lnRef>
+          <a:fillRef idx="1">
+            <a:schemeClr val="accent1"/>
+          </a:fillRef>
+          <a:effectRef idx="0">
+            <a:schemeClr val="accent1"/>
+          </a:effectRef>
+          <a:fontRef idx="minor">
+            <a:schemeClr val="lt1"/>
+          </a:fontRef>
+        </p:style>
+        <p:txBody>
+          <a:bodyPr rtlCol="0" anchor="ctr"/>
+          <a:lstStyle/>
+          <a:p>
+            <a:pPr algn="ctr"/>
+            <a:r>
+              <a:rPr lang="da-DK" dirty="0"/>
+              <a:t>Device utility</a:t>
+            </a:r>
           </a:p>
         </p:txBody>
       </p:sp>
@@ -7148,7 +8631,7 @@
           <a:p>
             <a:fld id="{019E29B9-5584-4737-9C98-1B926378C778}" type="datetime1">
               <a:rPr lang="en-US" smtClean="0"/>
-              <a:t>5/4/2021</a:t>
+              <a:t>5/21/2021</a:t>
             </a:fld>
             <a:endParaRPr lang="da-DK"/>
           </a:p>
@@ -7431,7 +8914,7 @@
           <a:p>
             <a:fld id="{019E29B9-5584-4737-9C98-1B926378C778}" type="datetime1">
               <a:rPr lang="en-US" smtClean="0"/>
-              <a:t>5/4/2021</a:t>
+              <a:t>5/21/2021</a:t>
             </a:fld>
             <a:endParaRPr lang="da-DK"/>
           </a:p>
@@ -7544,8 +9027,8 @@
         </p:nvSpPr>
         <p:spPr>
           <a:xfrm>
-            <a:off x="7854971" y="5721183"/>
-            <a:ext cx="2127229" cy="507831"/>
+            <a:off x="7483497" y="5721183"/>
+            <a:ext cx="2876725" cy="369332"/>
           </a:xfrm>
           <a:prstGeom prst="rect">
             <a:avLst/>
@@ -7915,7 +9398,7 @@
           <a:p>
             <a:fld id="{019E29B9-5584-4737-9C98-1B926378C778}" type="datetime1">
               <a:rPr lang="en-US" smtClean="0"/>
-              <a:t>5/4/2021</a:t>
+              <a:t>5/21/2021</a:t>
             </a:fld>
             <a:endParaRPr lang="da-DK"/>
           </a:p>
@@ -8275,7 +9758,7 @@
           <a:p>
             <a:fld id="{019E29B9-5584-4737-9C98-1B926378C778}" type="datetime1">
               <a:rPr lang="en-US" smtClean="0"/>
-              <a:t>5/4/2021</a:t>
+              <a:t>5/21/2021</a:t>
             </a:fld>
             <a:endParaRPr lang="da-DK"/>
           </a:p>
@@ -8421,7 +9904,7 @@
           <a:p>
             <a:r>
               <a:rPr lang="da-DK" dirty="0"/>
-              <a:t>Data Parallel</a:t>
+              <a:t>Data Parallel: one process controls all</a:t>
             </a:r>
           </a:p>
         </p:txBody>
@@ -8489,7 +9972,7 @@
           <a:p>
             <a:fld id="{019E29B9-5584-4737-9C98-1B926378C778}" type="datetime1">
               <a:rPr lang="en-US" smtClean="0"/>
-              <a:t>5/4/2021</a:t>
+              <a:t>5/21/2021</a:t>
             </a:fld>
             <a:endParaRPr lang="da-DK"/>
           </a:p>
@@ -8588,6 +10071,41 @@
           </a:prstGeom>
         </p:spPr>
       </p:pic>
+      <p:sp>
+        <p:nvSpPr>
+          <p:cNvPr id="7" name="TextBox 6">
+            <a:extLst>
+              <a:ext uri="{FF2B5EF4-FFF2-40B4-BE49-F238E27FC236}">
+                <a16:creationId xmlns:a16="http://schemas.microsoft.com/office/drawing/2014/main" id="{D26B33B2-ECF5-4EE7-9DF0-B9E1B8715B1C}"/>
+              </a:ext>
+            </a:extLst>
+          </p:cNvPr>
+          <p:cNvSpPr txBox="1"/>
+          <p:nvPr/>
+        </p:nvSpPr>
+        <p:spPr>
+          <a:xfrm>
+            <a:off x="1729530" y="5410073"/>
+            <a:ext cx="8732940" cy="369332"/>
+          </a:xfrm>
+          <a:prstGeom prst="rect">
+            <a:avLst/>
+          </a:prstGeom>
+          <a:noFill/>
+        </p:spPr>
+        <p:txBody>
+          <a:bodyPr wrap="square" rtlCol="0">
+            <a:spAutoFit/>
+          </a:bodyPr>
+          <a:lstStyle/>
+          <a:p>
+            <a:r>
+              <a:rPr lang="da-DK" dirty="0"/>
+              <a:t>Note that only GPU-1 parameters are updated, the replicas are destroyed after backward</a:t>
+            </a:r>
+          </a:p>
+        </p:txBody>
+      </p:sp>
     </p:spTree>
     <p:extLst>
       <p:ext uri="{BB962C8B-B14F-4D97-AF65-F5344CB8AC3E}">
@@ -8623,7 +10141,7 @@
           <p:cNvPr id="2" name="Title 1">
             <a:extLst>
               <a:ext uri="{FF2B5EF4-FFF2-40B4-BE49-F238E27FC236}">
-                <a16:creationId xmlns:a16="http://schemas.microsoft.com/office/drawing/2014/main" id="{CDDB95BA-2E75-4F5E-B188-42B284D48412}"/>
+                <a16:creationId xmlns:a16="http://schemas.microsoft.com/office/drawing/2014/main" id="{3D6B1C86-787E-4098-B607-09CC3B72E765}"/>
               </a:ext>
             </a:extLst>
           </p:cNvPr>
@@ -8641,7 +10159,7 @@
           <a:p>
             <a:r>
               <a:rPr lang="da-DK" dirty="0"/>
-              <a:t>Why using a training framework</a:t>
+              <a:t>Distributed Data Parallel</a:t>
             </a:r>
           </a:p>
         </p:txBody>
@@ -8651,7 +10169,7 @@
           <p:cNvPr id="3" name="Content Placeholder 2">
             <a:extLst>
               <a:ext uri="{FF2B5EF4-FFF2-40B4-BE49-F238E27FC236}">
-                <a16:creationId xmlns:a16="http://schemas.microsoft.com/office/drawing/2014/main" id="{387FF97A-4FFC-463D-90E8-99C42C51604F}"/>
+                <a16:creationId xmlns:a16="http://schemas.microsoft.com/office/drawing/2014/main" id="{9C0D790C-D891-4A8A-B655-804FB7743CDD}"/>
               </a:ext>
             </a:extLst>
           </p:cNvPr>
@@ -8668,39 +10186,12 @@
           <a:lstStyle/>
           <a:p>
             <a:r>
-              <a:rPr lang="da-DK" dirty="0"/>
-              <a:t>Reduce boilerplate = increase turn-around time</a:t>
-            </a:r>
-          </a:p>
-          <a:p>
-            <a:r>
-              <a:rPr lang="da-DK" dirty="0"/>
-              <a:t>Focus on what is important</a:t>
-            </a:r>
-          </a:p>
-          <a:p>
-            <a:r>
-              <a:rPr lang="da-DK" dirty="0"/>
-              <a:t>Reproduceability</a:t>
-            </a:r>
-          </a:p>
-          <a:p>
-            <a:r>
-              <a:rPr lang="da-DK" dirty="0"/>
-              <a:t>Shareability</a:t>
-            </a:r>
-          </a:p>
-          <a:p>
-            <a:r>
-              <a:rPr lang="da-DK" dirty="0"/>
-              <a:t>Consistency</a:t>
-            </a:r>
-          </a:p>
-          <a:p>
-            <a:r>
-              <a:rPr lang="da-DK" dirty="0"/>
-              <a:t>Scaleability</a:t>
-            </a:r>
+              <a:rPr lang="en-US" dirty="0"/>
+              <a:t>In Distributed Data Parallel (DDP) all processes gets equal workload </a:t>
+            </a:r>
+          </a:p>
+          <a:p>
+            <a:endParaRPr lang="en-US" dirty="0"/>
           </a:p>
         </p:txBody>
       </p:sp>
@@ -8709,7 +10200,7 @@
           <p:cNvPr id="4" name="Date Placeholder 3">
             <a:extLst>
               <a:ext uri="{FF2B5EF4-FFF2-40B4-BE49-F238E27FC236}">
-                <a16:creationId xmlns:a16="http://schemas.microsoft.com/office/drawing/2014/main" id="{43879CCE-D927-4052-A1FB-929A2A10371C}"/>
+                <a16:creationId xmlns:a16="http://schemas.microsoft.com/office/drawing/2014/main" id="{D0B22284-8676-4233-950B-F85BA55FAE3E}"/>
               </a:ext>
             </a:extLst>
           </p:cNvPr>
@@ -8727,7 +10218,7 @@
           <a:p>
             <a:fld id="{019E29B9-5584-4737-9C98-1B926378C778}" type="datetime1">
               <a:rPr lang="en-US" smtClean="0"/>
-              <a:t>5/4/2021</a:t>
+              <a:t>5/21/2021</a:t>
             </a:fld>
             <a:endParaRPr lang="da-DK"/>
           </a:p>
@@ -8738,7 +10229,7 @@
           <p:cNvPr id="5" name="Footer Placeholder 4">
             <a:extLst>
               <a:ext uri="{FF2B5EF4-FFF2-40B4-BE49-F238E27FC236}">
-                <a16:creationId xmlns:a16="http://schemas.microsoft.com/office/drawing/2014/main" id="{A334F260-D169-444E-91F9-5764951804E7}"/>
+                <a16:creationId xmlns:a16="http://schemas.microsoft.com/office/drawing/2014/main" id="{C5B3947B-49EF-4EB1-971C-FFF561232932}"/>
               </a:ext>
             </a:extLst>
           </p:cNvPr>
@@ -8766,7 +10257,7 @@
           <p:cNvPr id="6" name="Slide Number Placeholder 5">
             <a:extLst>
               <a:ext uri="{FF2B5EF4-FFF2-40B4-BE49-F238E27FC236}">
-                <a16:creationId xmlns:a16="http://schemas.microsoft.com/office/drawing/2014/main" id="{A24C1171-7814-48AF-91E5-D177AC0CD8F1}"/>
+                <a16:creationId xmlns:a16="http://schemas.microsoft.com/office/drawing/2014/main" id="{60BB0A13-2023-4490-90D5-33955CCCA509}"/>
               </a:ext>
             </a:extLst>
           </p:cNvPr>
@@ -8790,10 +10281,46 @@
           </a:p>
         </p:txBody>
       </p:sp>
+      <p:pic>
+        <p:nvPicPr>
+          <p:cNvPr id="8" name="Picture 7" descr="Diagram&#10;&#10;Description automatically generated">
+            <a:extLst>
+              <a:ext uri="{FF2B5EF4-FFF2-40B4-BE49-F238E27FC236}">
+                <a16:creationId xmlns:a16="http://schemas.microsoft.com/office/drawing/2014/main" id="{6528DC9A-790C-410E-ADBD-C96EB7DF8CC5}"/>
+              </a:ext>
+            </a:extLst>
+          </p:cNvPr>
+          <p:cNvPicPr>
+            <a:picLocks noChangeAspect="1"/>
+          </p:cNvPicPr>
+          <p:nvPr/>
+        </p:nvPicPr>
+        <p:blipFill>
+          <a:blip r:embed="rId2">
+            <a:extLst>
+              <a:ext uri="{28A0092B-C50C-407E-A947-70E740481C1C}">
+                <a14:useLocalDpi xmlns:a14="http://schemas.microsoft.com/office/drawing/2010/main" val="0"/>
+              </a:ext>
+            </a:extLst>
+          </a:blip>
+          <a:stretch>
+            <a:fillRect/>
+          </a:stretch>
+        </p:blipFill>
+        <p:spPr>
+          <a:xfrm>
+            <a:off x="1397876" y="1763484"/>
+            <a:ext cx="8903120" cy="4728686"/>
+          </a:xfrm>
+          <a:prstGeom prst="rect">
+            <a:avLst/>
+          </a:prstGeom>
+        </p:spPr>
+      </p:pic>
     </p:spTree>
     <p:extLst>
       <p:ext uri="{BB962C8B-B14F-4D97-AF65-F5344CB8AC3E}">
-        <p14:creationId xmlns:p14="http://schemas.microsoft.com/office/powerpoint/2010/main" val="163734397"/>
+        <p14:creationId xmlns:p14="http://schemas.microsoft.com/office/powerpoint/2010/main" val="4127495414"/>
       </p:ext>
     </p:extLst>
   </p:cSld>
@@ -8825,7 +10352,7 @@
           <p:cNvPr id="2" name="Title 1">
             <a:extLst>
               <a:ext uri="{FF2B5EF4-FFF2-40B4-BE49-F238E27FC236}">
-                <a16:creationId xmlns:a16="http://schemas.microsoft.com/office/drawing/2014/main" id="{D27A6DE8-A1FD-44C2-AF38-0B771A01E1AE}"/>
+                <a16:creationId xmlns:a16="http://schemas.microsoft.com/office/drawing/2014/main" id="{4FE5D78C-3824-4049-AEA7-105EC79AD103}"/>
               </a:ext>
             </a:extLst>
           </p:cNvPr>
@@ -8843,7 +10370,7 @@
           <a:p>
             <a:r>
               <a:rPr lang="da-DK" dirty="0"/>
-              <a:t>Training Fremworks</a:t>
+              <a:t>Model paralliseme</a:t>
             </a:r>
           </a:p>
         </p:txBody>
@@ -8853,7 +10380,7 @@
           <p:cNvPr id="3" name="Content Placeholder 2">
             <a:extLst>
               <a:ext uri="{FF2B5EF4-FFF2-40B4-BE49-F238E27FC236}">
-                <a16:creationId xmlns:a16="http://schemas.microsoft.com/office/drawing/2014/main" id="{AD738847-F757-4CA2-BCE9-5CD874598CA6}"/>
+                <a16:creationId xmlns:a16="http://schemas.microsoft.com/office/drawing/2014/main" id="{24993066-5807-4413-8828-3574AD31FFF8}"/>
               </a:ext>
             </a:extLst>
           </p:cNvPr>
@@ -8869,46 +10396,10 @@
           <a:bodyPr/>
           <a:lstStyle/>
           <a:p>
-            <a:pPr marL="0" indent="0">
-              <a:buNone/>
-            </a:pPr>
             <a:r>
               <a:rPr lang="da-DK" dirty="0"/>
-              <a:t>Many fremeworks exist for reducing boilerplate</a:t>
-            </a:r>
-          </a:p>
-          <a:p>
-            <a:pPr marL="0" indent="0">
-              <a:buNone/>
-            </a:pPr>
-            <a:endParaRPr lang="da-DK" dirty="0"/>
-          </a:p>
-          <a:p>
-            <a:pPr marL="0" indent="0">
-              <a:buNone/>
-            </a:pPr>
-            <a:endParaRPr lang="da-DK" dirty="0"/>
-          </a:p>
-          <a:p>
-            <a:pPr marL="0" indent="0">
-              <a:buNone/>
-            </a:pPr>
-            <a:endParaRPr lang="da-DK" dirty="0"/>
-          </a:p>
-          <a:p>
-            <a:pPr marL="0" indent="0">
-              <a:buNone/>
-            </a:pPr>
-            <a:r>
-              <a:rPr lang="da-DK" dirty="0"/>
-              <a:t>Many frameworks for accelerating training </a:t>
-            </a:r>
-          </a:p>
-          <a:p>
-            <a:pPr marL="0" indent="0">
-              <a:buNone/>
-            </a:pPr>
-            <a:endParaRPr lang="da-DK" dirty="0"/>
+              <a:t>When your model is too big for one device</a:t>
+            </a:r>
           </a:p>
         </p:txBody>
       </p:sp>
@@ -8917,7 +10408,7 @@
           <p:cNvPr id="4" name="Date Placeholder 3">
             <a:extLst>
               <a:ext uri="{FF2B5EF4-FFF2-40B4-BE49-F238E27FC236}">
-                <a16:creationId xmlns:a16="http://schemas.microsoft.com/office/drawing/2014/main" id="{C5BE0E4C-9F74-40D9-8B27-1F684F43DDED}"/>
+                <a16:creationId xmlns:a16="http://schemas.microsoft.com/office/drawing/2014/main" id="{3EAC6821-73C5-4E66-8114-2C87E9ABF8B3}"/>
               </a:ext>
             </a:extLst>
           </p:cNvPr>
@@ -8935,7 +10426,7 @@
           <a:p>
             <a:fld id="{019E29B9-5584-4737-9C98-1B926378C778}" type="datetime1">
               <a:rPr lang="en-US" smtClean="0"/>
-              <a:t>5/4/2021</a:t>
+              <a:t>5/21/2021</a:t>
             </a:fld>
             <a:endParaRPr lang="da-DK"/>
           </a:p>
@@ -8946,7 +10437,7 @@
           <p:cNvPr id="5" name="Footer Placeholder 4">
             <a:extLst>
               <a:ext uri="{FF2B5EF4-FFF2-40B4-BE49-F238E27FC236}">
-                <a16:creationId xmlns:a16="http://schemas.microsoft.com/office/drawing/2014/main" id="{BC150124-C72D-47C0-9EEA-674321BB1B49}"/>
+                <a16:creationId xmlns:a16="http://schemas.microsoft.com/office/drawing/2014/main" id="{62F88D7E-34FD-406D-A408-355344AEB2EC}"/>
               </a:ext>
             </a:extLst>
           </p:cNvPr>
@@ -8974,7 +10465,7 @@
           <p:cNvPr id="6" name="Slide Number Placeholder 5">
             <a:extLst>
               <a:ext uri="{FF2B5EF4-FFF2-40B4-BE49-F238E27FC236}">
-                <a16:creationId xmlns:a16="http://schemas.microsoft.com/office/drawing/2014/main" id="{028D8E30-DFBE-4906-9C04-6E23CECFD8F5}"/>
+                <a16:creationId xmlns:a16="http://schemas.microsoft.com/office/drawing/2014/main" id="{108C101F-1DF3-498D-B0E8-3A356DF6127F}"/>
               </a:ext>
             </a:extLst>
           </p:cNvPr>
@@ -9000,10 +10491,10 @@
       </p:sp>
       <p:pic>
         <p:nvPicPr>
-          <p:cNvPr id="10" name="Picture 9">
-            <a:extLst>
-              <a:ext uri="{FF2B5EF4-FFF2-40B4-BE49-F238E27FC236}">
-                <a16:creationId xmlns:a16="http://schemas.microsoft.com/office/drawing/2014/main" id="{0368B075-80DC-4BAA-BD1D-52B5BD023979}"/>
+          <p:cNvPr id="10" name="Picture 9" descr="Diagram&#10;&#10;Description automatically generated">
+            <a:extLst>
+              <a:ext uri="{FF2B5EF4-FFF2-40B4-BE49-F238E27FC236}">
+                <a16:creationId xmlns:a16="http://schemas.microsoft.com/office/drawing/2014/main" id="{D7004687-7F65-45AA-B689-0B3FC6D3E57C}"/>
               </a:ext>
             </a:extLst>
           </p:cNvPr>
@@ -9012,7 +10503,7 @@
           </p:cNvPicPr>
           <p:nvPr/>
         </p:nvPicPr>
-        <p:blipFill>
+        <p:blipFill rotWithShape="1">
           <a:blip r:embed="rId2">
             <a:extLst>
               <a:ext uri="{28A0092B-C50C-407E-A947-70E740481C1C}">
@@ -9020,14 +10511,13 @@
               </a:ext>
             </a:extLst>
           </a:blip>
-          <a:stretch>
-            <a:fillRect/>
-          </a:stretch>
+          <a:srcRect l="54492" r="3609"/>
+          <a:stretch/>
         </p:blipFill>
         <p:spPr>
           <a:xfrm>
-            <a:off x="1135924" y="2001070"/>
-            <a:ext cx="2578233" cy="1231963"/>
+            <a:off x="1942380" y="1948983"/>
+            <a:ext cx="3278039" cy="3962604"/>
           </a:xfrm>
           <a:prstGeom prst="rect">
             <a:avLst/>
@@ -9036,10 +10526,10 @@
       </p:pic>
       <p:pic>
         <p:nvPicPr>
-          <p:cNvPr id="12" name="Picture 11">
-            <a:extLst>
-              <a:ext uri="{FF2B5EF4-FFF2-40B4-BE49-F238E27FC236}">
-                <a16:creationId xmlns:a16="http://schemas.microsoft.com/office/drawing/2014/main" id="{AD382B24-FD5E-4EDA-B1F4-5ABE40857BD0}"/>
+          <p:cNvPr id="11" name="Picture 10" descr="Diagram&#10;&#10;Description automatically generated">
+            <a:extLst>
+              <a:ext uri="{FF2B5EF4-FFF2-40B4-BE49-F238E27FC236}">
+                <a16:creationId xmlns:a16="http://schemas.microsoft.com/office/drawing/2014/main" id="{99F9BC45-F83D-46E1-A051-C791EAE3D1B4}"/>
               </a:ext>
             </a:extLst>
           </p:cNvPr>
@@ -9048,375 +10538,37 @@
           </p:cNvPicPr>
           <p:nvPr/>
         </p:nvPicPr>
-        <p:blipFill>
-          <a:blip r:embed="rId3">
+        <p:blipFill rotWithShape="1">
+          <a:blip r:embed="rId2">
             <a:extLst>
               <a:ext uri="{28A0092B-C50C-407E-A947-70E740481C1C}">
                 <a14:useLocalDpi xmlns:a14="http://schemas.microsoft.com/office/drawing/2010/main" val="0"/>
               </a:ext>
             </a:extLst>
           </a:blip>
-          <a:stretch>
-            <a:fillRect/>
-          </a:stretch>
+          <a:srcRect r="49175"/>
+          <a:stretch/>
         </p:blipFill>
         <p:spPr>
           <a:xfrm>
-            <a:off x="7519593" y="1836263"/>
-            <a:ext cx="3443788" cy="1371352"/>
+            <a:off x="5717332" y="2214359"/>
+            <a:ext cx="3976396" cy="3962604"/>
           </a:xfrm>
           <a:prstGeom prst="rect">
             <a:avLst/>
           </a:prstGeom>
         </p:spPr>
       </p:pic>
-      <p:pic>
-        <p:nvPicPr>
-          <p:cNvPr id="14" name="Picture 13">
-            <a:extLst>
-              <a:ext uri="{FF2B5EF4-FFF2-40B4-BE49-F238E27FC236}">
-                <a16:creationId xmlns:a16="http://schemas.microsoft.com/office/drawing/2014/main" id="{31D96D66-301D-4B88-ADAC-630BA9A640FD}"/>
-              </a:ext>
-            </a:extLst>
-          </p:cNvPr>
-          <p:cNvPicPr>
-            <a:picLocks noChangeAspect="1"/>
-          </p:cNvPicPr>
-          <p:nvPr/>
-        </p:nvPicPr>
-        <p:blipFill>
-          <a:blip r:embed="rId4">
-            <a:extLst>
-              <a:ext uri="{28A0092B-C50C-407E-A947-70E740481C1C}">
-                <a14:useLocalDpi xmlns:a14="http://schemas.microsoft.com/office/drawing/2010/main" val="0"/>
-              </a:ext>
-            </a:extLst>
-          </a:blip>
-          <a:stretch>
-            <a:fillRect/>
-          </a:stretch>
-        </p:blipFill>
-        <p:spPr>
-          <a:xfrm>
-            <a:off x="4387032" y="1845223"/>
-            <a:ext cx="3027517" cy="1510740"/>
-          </a:xfrm>
-          <a:prstGeom prst="rect">
-            <a:avLst/>
-          </a:prstGeom>
-        </p:spPr>
-      </p:pic>
-      <p:pic>
-        <p:nvPicPr>
-          <p:cNvPr id="16" name="Picture 15" descr="A picture containing icon&#10;&#10;Description automatically generated">
-            <a:extLst>
-              <a:ext uri="{FF2B5EF4-FFF2-40B4-BE49-F238E27FC236}">
-                <a16:creationId xmlns:a16="http://schemas.microsoft.com/office/drawing/2014/main" id="{6EFE9E2F-DD15-4FBB-9429-6B00D2617B19}"/>
-              </a:ext>
-            </a:extLst>
-          </p:cNvPr>
-          <p:cNvPicPr>
-            <a:picLocks noChangeAspect="1"/>
-          </p:cNvPicPr>
-          <p:nvPr/>
-        </p:nvPicPr>
-        <p:blipFill>
-          <a:blip r:embed="rId5">
-            <a:extLst>
-              <a:ext uri="{28A0092B-C50C-407E-A947-70E740481C1C}">
-                <a14:useLocalDpi xmlns:a14="http://schemas.microsoft.com/office/drawing/2010/main" val="0"/>
-              </a:ext>
-            </a:extLst>
-          </a:blip>
-          <a:stretch>
-            <a:fillRect/>
-          </a:stretch>
-        </p:blipFill>
-        <p:spPr>
-          <a:xfrm>
-            <a:off x="443205" y="3890495"/>
-            <a:ext cx="4363768" cy="2183361"/>
-          </a:xfrm>
-          <a:prstGeom prst="rect">
-            <a:avLst/>
-          </a:prstGeom>
-        </p:spPr>
-      </p:pic>
-      <p:pic>
-        <p:nvPicPr>
-          <p:cNvPr id="18" name="Picture 17" descr="Shape&#10;&#10;Description automatically generated">
-            <a:extLst>
-              <a:ext uri="{FF2B5EF4-FFF2-40B4-BE49-F238E27FC236}">
-                <a16:creationId xmlns:a16="http://schemas.microsoft.com/office/drawing/2014/main" id="{8EDFBB11-4CA0-40E4-9DE1-7989533284A7}"/>
-              </a:ext>
-            </a:extLst>
-          </p:cNvPr>
-          <p:cNvPicPr>
-            <a:picLocks noChangeAspect="1"/>
-          </p:cNvPicPr>
-          <p:nvPr/>
-        </p:nvPicPr>
-        <p:blipFill>
-          <a:blip r:embed="rId6">
-            <a:extLst>
-              <a:ext uri="{28A0092B-C50C-407E-A947-70E740481C1C}">
-                <a14:useLocalDpi xmlns:a14="http://schemas.microsoft.com/office/drawing/2010/main" val="0"/>
-              </a:ext>
-            </a:extLst>
-          </a:blip>
-          <a:stretch>
-            <a:fillRect/>
-          </a:stretch>
-        </p:blipFill>
-        <p:spPr>
-          <a:xfrm>
-            <a:off x="4806973" y="3990876"/>
-            <a:ext cx="1982598" cy="1982598"/>
-          </a:xfrm>
-          <a:prstGeom prst="rect">
-            <a:avLst/>
-          </a:prstGeom>
-        </p:spPr>
-      </p:pic>
-      <p:pic>
-        <p:nvPicPr>
-          <p:cNvPr id="20" name="Picture 19">
-            <a:extLst>
-              <a:ext uri="{FF2B5EF4-FFF2-40B4-BE49-F238E27FC236}">
-                <a16:creationId xmlns:a16="http://schemas.microsoft.com/office/drawing/2014/main" id="{7C5A1973-482B-40AC-B3AD-F23246FBE849}"/>
-              </a:ext>
-            </a:extLst>
-          </p:cNvPr>
-          <p:cNvPicPr>
-            <a:picLocks noChangeAspect="1"/>
-          </p:cNvPicPr>
-          <p:nvPr/>
-        </p:nvPicPr>
-        <p:blipFill>
-          <a:blip r:embed="rId7">
-            <a:extLst>
-              <a:ext uri="{28A0092B-C50C-407E-A947-70E740481C1C}">
-                <a14:useLocalDpi xmlns:a14="http://schemas.microsoft.com/office/drawing/2010/main" val="0"/>
-              </a:ext>
-            </a:extLst>
-          </a:blip>
-          <a:stretch>
-            <a:fillRect/>
-          </a:stretch>
-        </p:blipFill>
-        <p:spPr>
-          <a:xfrm>
-            <a:off x="7107343" y="4257407"/>
-            <a:ext cx="4352381" cy="1333333"/>
-          </a:xfrm>
-          <a:prstGeom prst="rect">
-            <a:avLst/>
-          </a:prstGeom>
-        </p:spPr>
-      </p:pic>
-      <p:pic>
-        <p:nvPicPr>
-          <p:cNvPr id="24" name="Picture 23" descr="A picture containing text, clipart&#10;&#10;Description automatically generated">
-            <a:extLst>
-              <a:ext uri="{FF2B5EF4-FFF2-40B4-BE49-F238E27FC236}">
-                <a16:creationId xmlns:a16="http://schemas.microsoft.com/office/drawing/2014/main" id="{7227304C-9F33-4E68-B313-A3E5169B57D3}"/>
-              </a:ext>
-            </a:extLst>
-          </p:cNvPr>
-          <p:cNvPicPr>
-            <a:picLocks noChangeAspect="1"/>
-          </p:cNvPicPr>
-          <p:nvPr/>
-        </p:nvPicPr>
-        <p:blipFill>
-          <a:blip r:embed="rId8">
-            <a:extLst>
-              <a:ext uri="{28A0092B-C50C-407E-A947-70E740481C1C}">
-                <a14:useLocalDpi xmlns:a14="http://schemas.microsoft.com/office/drawing/2010/main" val="0"/>
-              </a:ext>
-            </a:extLst>
-          </a:blip>
-          <a:stretch>
-            <a:fillRect/>
-          </a:stretch>
-        </p:blipFill>
-        <p:spPr>
-          <a:xfrm rot="2317046">
-            <a:off x="8754417" y="72570"/>
-            <a:ext cx="2295879" cy="1530586"/>
-          </a:xfrm>
-          <a:prstGeom prst="rect">
-            <a:avLst/>
-          </a:prstGeom>
-        </p:spPr>
-      </p:pic>
-      <p:sp>
-        <p:nvSpPr>
-          <p:cNvPr id="21" name="Rectangle 20">
-            <a:extLst>
-              <a:ext uri="{FF2B5EF4-FFF2-40B4-BE49-F238E27FC236}">
-                <a16:creationId xmlns:a16="http://schemas.microsoft.com/office/drawing/2014/main" id="{C89102AB-F7E2-4B19-995A-31E8090112BE}"/>
-              </a:ext>
-            </a:extLst>
-          </p:cNvPr>
-          <p:cNvSpPr/>
-          <p:nvPr/>
-        </p:nvSpPr>
-        <p:spPr>
-          <a:xfrm>
-            <a:off x="7519593" y="1862237"/>
-            <a:ext cx="3536483" cy="1370796"/>
-          </a:xfrm>
-          <a:prstGeom prst="rect">
-            <a:avLst/>
-          </a:prstGeom>
-          <a:noFill/>
-          <a:ln w="38100">
-            <a:solidFill>
-              <a:srgbClr val="FF0000"/>
-            </a:solidFill>
-          </a:ln>
-        </p:spPr>
-        <p:style>
-          <a:lnRef idx="2">
-            <a:schemeClr val="accent1">
-              <a:shade val="50000"/>
-            </a:schemeClr>
-          </a:lnRef>
-          <a:fillRef idx="1">
-            <a:schemeClr val="accent1"/>
-          </a:fillRef>
-          <a:effectRef idx="0">
-            <a:schemeClr val="accent1"/>
-          </a:effectRef>
-          <a:fontRef idx="minor">
-            <a:schemeClr val="lt1"/>
-          </a:fontRef>
-        </p:style>
-        <p:txBody>
-          <a:bodyPr rtlCol="0" anchor="ctr"/>
-          <a:lstStyle/>
-          <a:p>
-            <a:pPr algn="ctr"/>
-            <a:endParaRPr lang="da-DK"/>
-          </a:p>
-        </p:txBody>
-      </p:sp>
     </p:spTree>
     <p:extLst>
       <p:ext uri="{BB962C8B-B14F-4D97-AF65-F5344CB8AC3E}">
-        <p14:creationId xmlns:p14="http://schemas.microsoft.com/office/powerpoint/2010/main" val="779768607"/>
+        <p14:creationId xmlns:p14="http://schemas.microsoft.com/office/powerpoint/2010/main" val="1394094950"/>
       </p:ext>
     </p:extLst>
   </p:cSld>
   <p:clrMapOvr>
     <a:masterClrMapping/>
   </p:clrMapOvr>
-  <p:timing>
-    <p:tnLst>
-      <p:par>
-        <p:cTn id="1" dur="indefinite" restart="never" nodeType="tmRoot">
-          <p:childTnLst>
-            <p:seq concurrent="1" nextAc="seek">
-              <p:cTn id="2" dur="indefinite" nodeType="mainSeq">
-                <p:childTnLst>
-                  <p:par>
-                    <p:cTn id="3" fill="hold">
-                      <p:stCondLst>
-                        <p:cond delay="indefinite"/>
-                      </p:stCondLst>
-                      <p:childTnLst>
-                        <p:par>
-                          <p:cTn id="4" fill="hold">
-                            <p:stCondLst>
-                              <p:cond delay="0"/>
-                            </p:stCondLst>
-                            <p:childTnLst>
-                              <p:par>
-                                <p:cTn id="5" presetID="1" presetClass="entr" presetSubtype="0" fill="hold" nodeType="clickEffect">
-                                  <p:stCondLst>
-                                    <p:cond delay="0"/>
-                                  </p:stCondLst>
-                                  <p:childTnLst>
-                                    <p:set>
-                                      <p:cBhvr>
-                                        <p:cTn id="6" dur="1" fill="hold">
-                                          <p:stCondLst>
-                                            <p:cond delay="0"/>
-                                          </p:stCondLst>
-                                        </p:cTn>
-                                        <p:tgtEl>
-                                          <p:spTgt spid="24"/>
-                                        </p:tgtEl>
-                                        <p:attrNameLst>
-                                          <p:attrName>style.visibility</p:attrName>
-                                        </p:attrNameLst>
-                                      </p:cBhvr>
-                                      <p:to>
-                                        <p:strVal val="visible"/>
-                                      </p:to>
-                                    </p:set>
-                                  </p:childTnLst>
-                                </p:cTn>
-                              </p:par>
-                              <p:par>
-                                <p:cTn id="7" presetID="1" presetClass="entr" presetSubtype="0" fill="hold" grpId="0" nodeType="withEffect">
-                                  <p:stCondLst>
-                                    <p:cond delay="0"/>
-                                  </p:stCondLst>
-                                  <p:childTnLst>
-                                    <p:set>
-                                      <p:cBhvr>
-                                        <p:cTn id="8" dur="1" fill="hold">
-                                          <p:stCondLst>
-                                            <p:cond delay="0"/>
-                                          </p:stCondLst>
-                                        </p:cTn>
-                                        <p:tgtEl>
-                                          <p:spTgt spid="21"/>
-                                        </p:tgtEl>
-                                        <p:attrNameLst>
-                                          <p:attrName>style.visibility</p:attrName>
-                                        </p:attrNameLst>
-                                      </p:cBhvr>
-                                      <p:to>
-                                        <p:strVal val="visible"/>
-                                      </p:to>
-                                    </p:set>
-                                  </p:childTnLst>
-                                </p:cTn>
-                              </p:par>
-                            </p:childTnLst>
-                          </p:cTn>
-                        </p:par>
-                      </p:childTnLst>
-                    </p:cTn>
-                  </p:par>
-                </p:childTnLst>
-              </p:cTn>
-              <p:prevCondLst>
-                <p:cond evt="onPrev" delay="0">
-                  <p:tgtEl>
-                    <p:sldTgt/>
-                  </p:tgtEl>
-                </p:cond>
-              </p:prevCondLst>
-              <p:nextCondLst>
-                <p:cond evt="onNext" delay="0">
-                  <p:tgtEl>
-                    <p:sldTgt/>
-                  </p:tgtEl>
-                </p:cond>
-              </p:nextCondLst>
-            </p:seq>
-          </p:childTnLst>
-        </p:cTn>
-      </p:par>
-    </p:tnLst>
-    <p:bldLst>
-      <p:bldP spid="21" grpId="0" animBg="1"/>
-    </p:bldLst>
-  </p:timing>
 </p:sld>
 </file>
 
